--- a/Panos Tsilopoulos - Azure App Service API/Presentation/Azure App Services API apps.pptx
+++ b/Panos Tsilopoulos - Azure App Service API/Presentation/Azure App Services API apps.pptx
@@ -5,7 +5,7 @@
     <p:sldMasterId id="2147483660" r:id="rId1"/>
   </p:sldMasterIdLst>
   <p:notesMasterIdLst>
-    <p:notesMasterId r:id="rId34"/>
+    <p:notesMasterId r:id="rId35"/>
   </p:notesMasterIdLst>
   <p:sldIdLst>
     <p:sldId id="256" r:id="rId2"/>
@@ -31,15 +31,16 @@
     <p:sldId id="273" r:id="rId22"/>
     <p:sldId id="275" r:id="rId23"/>
     <p:sldId id="278" r:id="rId24"/>
-    <p:sldId id="295" r:id="rId25"/>
-    <p:sldId id="296" r:id="rId26"/>
-    <p:sldId id="276" r:id="rId27"/>
-    <p:sldId id="297" r:id="rId28"/>
-    <p:sldId id="284" r:id="rId29"/>
-    <p:sldId id="285" r:id="rId30"/>
-    <p:sldId id="287" r:id="rId31"/>
-    <p:sldId id="298" r:id="rId32"/>
-    <p:sldId id="286" r:id="rId33"/>
+    <p:sldId id="299" r:id="rId25"/>
+    <p:sldId id="295" r:id="rId26"/>
+    <p:sldId id="296" r:id="rId27"/>
+    <p:sldId id="276" r:id="rId28"/>
+    <p:sldId id="297" r:id="rId29"/>
+    <p:sldId id="284" r:id="rId30"/>
+    <p:sldId id="285" r:id="rId31"/>
+    <p:sldId id="287" r:id="rId32"/>
+    <p:sldId id="298" r:id="rId33"/>
+    <p:sldId id="286" r:id="rId34"/>
   </p:sldIdLst>
   <p:sldSz cx="12192000" cy="6858000"/>
   <p:notesSz cx="6858000" cy="9144000"/>
@@ -228,7 +229,7 @@
           <a:p>
             <a:fld id="{016D0B72-7C82-4CCE-B501-D0B20F266F48}" type="datetimeFigureOut">
               <a:rPr lang="en-US" smtClean="0"/>
-              <a:t>4/20/2015</a:t>
+              <a:t>4/24/2015</a:t>
             </a:fld>
             <a:endParaRPr lang="en-US"/>
           </a:p>
@@ -608,6 +609,99 @@
       </p:grpSpPr>
       <p:sp>
         <p:nvSpPr>
+          <p:cNvPr id="2" name="Slide Image Placeholder 1"/>
+          <p:cNvSpPr>
+            <a:spLocks noGrp="1" noRot="1" noChangeAspect="1"/>
+          </p:cNvSpPr>
+          <p:nvPr>
+            <p:ph type="sldImg"/>
+          </p:nvPr>
+        </p:nvSpPr>
+        <p:spPr/>
+      </p:sp>
+      <p:sp>
+        <p:nvSpPr>
+          <p:cNvPr id="3" name="Notes Placeholder 2"/>
+          <p:cNvSpPr>
+            <a:spLocks noGrp="1"/>
+          </p:cNvSpPr>
+          <p:nvPr>
+            <p:ph type="body" idx="1"/>
+          </p:nvPr>
+        </p:nvSpPr>
+        <p:spPr/>
+        <p:txBody>
+          <a:bodyPr/>
+          <a:lstStyle/>
+          <a:p>
+            <a:endParaRPr lang="en-US" dirty="0"/>
+          </a:p>
+        </p:txBody>
+      </p:sp>
+      <p:sp>
+        <p:nvSpPr>
+          <p:cNvPr id="4" name="Slide Number Placeholder 3"/>
+          <p:cNvSpPr>
+            <a:spLocks noGrp="1"/>
+          </p:cNvSpPr>
+          <p:nvPr>
+            <p:ph type="sldNum" sz="quarter" idx="10"/>
+          </p:nvPr>
+        </p:nvSpPr>
+        <p:spPr/>
+        <p:txBody>
+          <a:bodyPr/>
+          <a:lstStyle/>
+          <a:p>
+            <a:fld id="{2C52CFDC-D2D5-4B9F-BA75-89F771E01AEB}" type="slidenum">
+              <a:rPr lang="en-US" smtClean="0">
+                <a:solidFill>
+                  <a:prstClr val="black"/>
+                </a:solidFill>
+              </a:rPr>
+              <a:pPr/>
+              <a:t>29</a:t>
+            </a:fld>
+            <a:endParaRPr lang="en-US">
+              <a:solidFill>
+                <a:prstClr val="black"/>
+              </a:solidFill>
+            </a:endParaRPr>
+          </a:p>
+        </p:txBody>
+      </p:sp>
+    </p:spTree>
+    <p:extLst>
+      <p:ext uri="{BB962C8B-B14F-4D97-AF65-F5344CB8AC3E}">
+        <p14:creationId xmlns:p14="http://schemas.microsoft.com/office/powerpoint/2010/main" val="3302379120"/>
+      </p:ext>
+    </p:extLst>
+  </p:cSld>
+  <p:clrMapOvr>
+    <a:masterClrMapping/>
+  </p:clrMapOvr>
+</p:notes>
+</file>
+
+<file path=ppt/notesSlides/notesSlide11.xml><?xml version="1.0" encoding="utf-8"?>
+<p:notes xmlns:a="http://schemas.openxmlformats.org/drawingml/2006/main" xmlns:r="http://schemas.openxmlformats.org/officeDocument/2006/relationships" xmlns:p="http://schemas.openxmlformats.org/presentationml/2006/main">
+  <p:cSld>
+    <p:spTree>
+      <p:nvGrpSpPr>
+        <p:cNvPr id="1" name=""/>
+        <p:cNvGrpSpPr/>
+        <p:nvPr/>
+      </p:nvGrpSpPr>
+      <p:grpSpPr>
+        <a:xfrm>
+          <a:off x="0" y="0"/>
+          <a:ext cx="0" cy="0"/>
+          <a:chOff x="0" y="0"/>
+          <a:chExt cx="0" cy="0"/>
+        </a:xfrm>
+      </p:grpSpPr>
+      <p:sp>
+        <p:nvSpPr>
           <p:cNvPr id="2" name="Θέση εικόνας διαφάνειας 1"/>
           <p:cNvSpPr>
             <a:spLocks noGrp="1" noRot="1" noChangeAspect="1"/>
@@ -633,6 +727,14 @@
           <a:bodyPr/>
           <a:lstStyle/>
           <a:p>
+            <a:r>
+              <a:rPr lang="en-US" dirty="0" smtClean="0"/>
+              <a:t>AZ</a:t>
+            </a:r>
+            <a:r>
+              <a:rPr lang="en-US" baseline="0" dirty="0" smtClean="0"/>
+              <a:t> LB = Azure Load Balancer</a:t>
+            </a:r>
             <a:endParaRPr lang="el-GR" dirty="0"/>
           </a:p>
         </p:txBody>
@@ -654,7 +756,91 @@
           <a:p>
             <a:fld id="{7933495B-8521-4853-9505-11DC4F030195}" type="slidenum">
               <a:rPr lang="en-US" smtClean="0"/>
-              <a:t>32</a:t>
+              <a:t>30</a:t>
+            </a:fld>
+            <a:endParaRPr lang="en-US"/>
+          </a:p>
+        </p:txBody>
+      </p:sp>
+    </p:spTree>
+    <p:extLst>
+      <p:ext uri="{BB962C8B-B14F-4D97-AF65-F5344CB8AC3E}">
+        <p14:creationId xmlns:p14="http://schemas.microsoft.com/office/powerpoint/2010/main" val="757486428"/>
+      </p:ext>
+    </p:extLst>
+  </p:cSld>
+  <p:clrMapOvr>
+    <a:masterClrMapping/>
+  </p:clrMapOvr>
+</p:notes>
+</file>
+
+<file path=ppt/notesSlides/notesSlide12.xml><?xml version="1.0" encoding="utf-8"?>
+<p:notes xmlns:a="http://schemas.openxmlformats.org/drawingml/2006/main" xmlns:r="http://schemas.openxmlformats.org/officeDocument/2006/relationships" xmlns:p="http://schemas.openxmlformats.org/presentationml/2006/main">
+  <p:cSld>
+    <p:spTree>
+      <p:nvGrpSpPr>
+        <p:cNvPr id="1" name=""/>
+        <p:cNvGrpSpPr/>
+        <p:nvPr/>
+      </p:nvGrpSpPr>
+      <p:grpSpPr>
+        <a:xfrm>
+          <a:off x="0" y="0"/>
+          <a:ext cx="0" cy="0"/>
+          <a:chOff x="0" y="0"/>
+          <a:chExt cx="0" cy="0"/>
+        </a:xfrm>
+      </p:grpSpPr>
+      <p:sp>
+        <p:nvSpPr>
+          <p:cNvPr id="2" name="Θέση εικόνας διαφάνειας 1"/>
+          <p:cNvSpPr>
+            <a:spLocks noGrp="1" noRot="1" noChangeAspect="1"/>
+          </p:cNvSpPr>
+          <p:nvPr>
+            <p:ph type="sldImg"/>
+          </p:nvPr>
+        </p:nvSpPr>
+        <p:spPr/>
+      </p:sp>
+      <p:sp>
+        <p:nvSpPr>
+          <p:cNvPr id="3" name="Θέση σημειώσεων 2"/>
+          <p:cNvSpPr>
+            <a:spLocks noGrp="1"/>
+          </p:cNvSpPr>
+          <p:nvPr>
+            <p:ph type="body" idx="1"/>
+          </p:nvPr>
+        </p:nvSpPr>
+        <p:spPr/>
+        <p:txBody>
+          <a:bodyPr/>
+          <a:lstStyle/>
+          <a:p>
+            <a:endParaRPr lang="el-GR" dirty="0"/>
+          </a:p>
+        </p:txBody>
+      </p:sp>
+      <p:sp>
+        <p:nvSpPr>
+          <p:cNvPr id="4" name="Θέση αριθμού διαφάνειας 3"/>
+          <p:cNvSpPr>
+            <a:spLocks noGrp="1"/>
+          </p:cNvSpPr>
+          <p:nvPr>
+            <p:ph type="sldNum" sz="quarter" idx="10"/>
+          </p:nvPr>
+        </p:nvSpPr>
+        <p:spPr/>
+        <p:txBody>
+          <a:bodyPr/>
+          <a:lstStyle/>
+          <a:p>
+            <a:fld id="{7933495B-8521-4853-9505-11DC4F030195}" type="slidenum">
+              <a:rPr lang="en-US" smtClean="0"/>
+              <a:t>33</a:t>
             </a:fld>
             <a:endParaRPr lang="en-US"/>
           </a:p>
@@ -1007,7 +1193,7 @@
                 </a:solidFill>
               </a:rPr>
               <a:pPr/>
-              <a:t>4/20/2015 6:13 PM</a:t>
+              <a:t>4/24/2015 1:42 PM</a:t>
             </a:fld>
             <a:endParaRPr lang="en-US" dirty="0">
               <a:solidFill>
@@ -1709,7 +1895,7 @@
       </p:grpSpPr>
       <p:sp>
         <p:nvSpPr>
-          <p:cNvPr id="2" name="Slide Image Placeholder 1"/>
+          <p:cNvPr id="2" name="Θέση εικόνας διαφάνειας 1"/>
           <p:cNvSpPr>
             <a:spLocks noGrp="1" noRot="1" noChangeAspect="1"/>
           </p:cNvSpPr>
@@ -1721,7 +1907,7 @@
       </p:sp>
       <p:sp>
         <p:nvSpPr>
-          <p:cNvPr id="3" name="Notes Placeholder 2"/>
+          <p:cNvPr id="3" name="Θέση σημειώσεων 2"/>
           <p:cNvSpPr>
             <a:spLocks noGrp="1"/>
           </p:cNvSpPr>
@@ -1734,13 +1920,23 @@
           <a:bodyPr/>
           <a:lstStyle/>
           <a:p>
-            <a:endParaRPr lang="en-US" dirty="0"/>
+            <a:r>
+              <a:rPr lang="en-US" dirty="0" smtClean="0"/>
+              <a:t>AAD = Azure Active Directory</a:t>
+            </a:r>
+          </a:p>
+          <a:p>
+            <a:r>
+              <a:rPr lang="en-US" dirty="0" smtClean="0"/>
+              <a:t>MSA = Microsoft Account</a:t>
+            </a:r>
+            <a:endParaRPr lang="el-GR" dirty="0"/>
           </a:p>
         </p:txBody>
       </p:sp>
       <p:sp>
         <p:nvSpPr>
-          <p:cNvPr id="4" name="Slide Number Placeholder 3"/>
+          <p:cNvPr id="4" name="Θέση αριθμού διαφάνειας 3"/>
           <p:cNvSpPr>
             <a:spLocks noGrp="1"/>
           </p:cNvSpPr>
@@ -1753,27 +1949,18 @@
           <a:bodyPr/>
           <a:lstStyle/>
           <a:p>
-            <a:fld id="{2C52CFDC-D2D5-4B9F-BA75-89F771E01AEB}" type="slidenum">
-              <a:rPr lang="en-US" smtClean="0">
-                <a:solidFill>
-                  <a:prstClr val="black"/>
-                </a:solidFill>
-              </a:rPr>
-              <a:pPr/>
-              <a:t>28</a:t>
+            <a:fld id="{7933495B-8521-4853-9505-11DC4F030195}" type="slidenum">
+              <a:rPr lang="en-US" smtClean="0"/>
+              <a:t>27</a:t>
             </a:fld>
-            <a:endParaRPr lang="en-US">
-              <a:solidFill>
-                <a:prstClr val="black"/>
-              </a:solidFill>
-            </a:endParaRPr>
+            <a:endParaRPr lang="en-US"/>
           </a:p>
         </p:txBody>
       </p:sp>
     </p:spTree>
     <p:extLst>
       <p:ext uri="{BB962C8B-B14F-4D97-AF65-F5344CB8AC3E}">
-        <p14:creationId xmlns:p14="http://schemas.microsoft.com/office/powerpoint/2010/main" val="3302379120"/>
+        <p14:creationId xmlns:p14="http://schemas.microsoft.com/office/powerpoint/2010/main" val="2763132636"/>
       </p:ext>
     </p:extLst>
   </p:cSld>
@@ -4982,7 +5169,7 @@
         </p:spPr>
         <p:txBody>
           <a:bodyPr>
-            <a:normAutofit/>
+            <a:normAutofit fontScale="55000" lnSpcReduction="20000"/>
           </a:bodyPr>
           <a:lstStyle/>
           <a:p>
@@ -5023,7 +5210,27 @@
                 </a:solidFill>
                 <a:latin typeface="+mj-lt"/>
               </a:rPr>
-              <a:t>Software Engineer</a:t>
+              <a:t>Software </a:t>
+            </a:r>
+            <a:r>
+              <a:rPr lang="en-US" sz="2800" dirty="0" smtClean="0">
+                <a:solidFill>
+                  <a:schemeClr val="bg1"/>
+                </a:solidFill>
+                <a:latin typeface="+mj-lt"/>
+              </a:rPr>
+              <a:t>Engineer</a:t>
+            </a:r>
+          </a:p>
+          <a:p>
+            <a:r>
+              <a:rPr lang="en-US" sz="2800" dirty="0" smtClean="0">
+                <a:solidFill>
+                  <a:schemeClr val="bg1"/>
+                </a:solidFill>
+                <a:latin typeface="+mj-lt"/>
+              </a:rPr>
+              <a:t/>
             </a:r>
             <a:br>
               <a:rPr lang="en-US" sz="2800" dirty="0" smtClean="0">
@@ -5039,9 +5246,80 @@
                   <a:schemeClr val="bg1"/>
                 </a:solidFill>
                 <a:latin typeface="+mj-lt"/>
+                <a:hlinkClick r:id="rId4"/>
               </a:rPr>
               <a:t>p.tsilopoulos@interworkscloud.com</a:t>
             </a:r>
+            <a:endParaRPr lang="en-US" sz="2800" dirty="0" smtClean="0">
+              <a:solidFill>
+                <a:schemeClr val="bg1"/>
+              </a:solidFill>
+              <a:latin typeface="+mj-lt"/>
+            </a:endParaRPr>
+          </a:p>
+          <a:p>
+            <a:r>
+              <a:rPr lang="en-US" sz="2800" dirty="0">
+                <a:solidFill>
+                  <a:schemeClr val="bg1"/>
+                </a:solidFill>
+                <a:latin typeface="+mj-lt"/>
+                <a:hlinkClick r:id="rId5"/>
+              </a:rPr>
+              <a:t>https://</a:t>
+            </a:r>
+            <a:r>
+              <a:rPr lang="en-US" sz="2800" dirty="0" smtClean="0">
+                <a:solidFill>
+                  <a:schemeClr val="bg1"/>
+                </a:solidFill>
+                <a:latin typeface="+mj-lt"/>
+                <a:hlinkClick r:id="rId5"/>
+              </a:rPr>
+              <a:t>gr.linkedin.com/in/panostsilopoulos</a:t>
+            </a:r>
+            <a:endParaRPr lang="en-US" sz="2800" dirty="0" smtClean="0">
+              <a:solidFill>
+                <a:schemeClr val="bg1"/>
+              </a:solidFill>
+              <a:latin typeface="+mj-lt"/>
+            </a:endParaRPr>
+          </a:p>
+          <a:p>
+            <a:r>
+              <a:rPr lang="en-US" sz="2800" dirty="0">
+                <a:solidFill>
+                  <a:schemeClr val="bg1"/>
+                </a:solidFill>
+                <a:latin typeface="+mj-lt"/>
+                <a:hlinkClick r:id="rId6"/>
+              </a:rPr>
+              <a:t>https://</a:t>
+            </a:r>
+            <a:r>
+              <a:rPr lang="en-US" sz="2800" dirty="0" smtClean="0">
+                <a:solidFill>
+                  <a:schemeClr val="bg1"/>
+                </a:solidFill>
+                <a:latin typeface="+mj-lt"/>
+                <a:hlinkClick r:id="rId6"/>
+              </a:rPr>
+              <a:t>github.com/Tsilopoulos</a:t>
+            </a:r>
+            <a:endParaRPr lang="en-US" sz="2800" dirty="0" smtClean="0">
+              <a:solidFill>
+                <a:schemeClr val="bg1"/>
+              </a:solidFill>
+              <a:latin typeface="+mj-lt"/>
+            </a:endParaRPr>
+          </a:p>
+          <a:p>
+            <a:endParaRPr lang="en-US" sz="2800" dirty="0" smtClean="0">
+              <a:solidFill>
+                <a:schemeClr val="bg1"/>
+              </a:solidFill>
+              <a:latin typeface="+mj-lt"/>
+            </a:endParaRPr>
           </a:p>
           <a:p>
             <a:pPr algn="l"/>
@@ -13208,6 +13486,233 @@
       </p:grpSpPr>
       <p:sp>
         <p:nvSpPr>
+          <p:cNvPr id="2" name="Τίτλος 1"/>
+          <p:cNvSpPr>
+            <a:spLocks noGrp="1"/>
+          </p:cNvSpPr>
+          <p:nvPr>
+            <p:ph type="title"/>
+          </p:nvPr>
+        </p:nvSpPr>
+        <p:spPr/>
+        <p:txBody>
+          <a:bodyPr/>
+          <a:lstStyle/>
+          <a:p>
+            <a:r>
+              <a:rPr lang="en-US" dirty="0" smtClean="0"/>
+              <a:t>Swashbuckling made simple</a:t>
+            </a:r>
+            <a:endParaRPr lang="el-GR" dirty="0"/>
+          </a:p>
+        </p:txBody>
+      </p:sp>
+      <p:sp>
+        <p:nvSpPr>
+          <p:cNvPr id="3" name="Θέση περιεχομένου 2"/>
+          <p:cNvSpPr>
+            <a:spLocks noGrp="1"/>
+          </p:cNvSpPr>
+          <p:nvPr>
+            <p:ph idx="1"/>
+          </p:nvPr>
+        </p:nvSpPr>
+        <p:spPr>
+          <a:xfrm>
+            <a:off x="365589" y="1288935"/>
+            <a:ext cx="11079822" cy="5471461"/>
+          </a:xfrm>
+        </p:spPr>
+        <p:txBody>
+          <a:bodyPr>
+            <a:normAutofit fontScale="92500" lnSpcReduction="10000"/>
+          </a:bodyPr>
+          <a:lstStyle/>
+          <a:p>
+            <a:r>
+              <a:rPr lang="en-US" sz="3200" dirty="0" smtClean="0"/>
+              <a:t>Swagger is a </a:t>
+            </a:r>
+            <a:r>
+              <a:rPr lang="en-US" sz="3200" dirty="0"/>
+              <a:t>standard, language-agnostic interface to REST APIs which allows both humans and computers to discover and understand the capabilities of the service without access to source code, documentation, or through network traffic </a:t>
+            </a:r>
+            <a:r>
+              <a:rPr lang="en-US" sz="3200" dirty="0" smtClean="0"/>
+              <a:t>inspection.</a:t>
+            </a:r>
+          </a:p>
+          <a:p>
+            <a:r>
+              <a:rPr lang="en-US" sz="3200" dirty="0" smtClean="0"/>
+              <a:t>A small ISS Express hiccup!</a:t>
+            </a:r>
+          </a:p>
+          <a:p>
+            <a:pPr lvl="1"/>
+            <a:r>
+              <a:rPr lang="en-US" sz="2800" dirty="0" smtClean="0"/>
+              <a:t>Run cmd.exe</a:t>
+            </a:r>
+          </a:p>
+          <a:p>
+            <a:pPr lvl="1"/>
+            <a:r>
+              <a:rPr lang="en-US" sz="2800" dirty="0" smtClean="0"/>
+              <a:t>cd “C:\Program Files\IIS Express”</a:t>
+            </a:r>
+          </a:p>
+          <a:p>
+            <a:pPr lvl="1"/>
+            <a:r>
+              <a:rPr lang="en-US" sz="2800" dirty="0" smtClean="0"/>
+              <a:t>.\</a:t>
+            </a:r>
+            <a:r>
+              <a:rPr lang="en-US" sz="2800" dirty="0" err="1" smtClean="0"/>
+              <a:t>appcmd</a:t>
+            </a:r>
+            <a:r>
+              <a:rPr lang="en-US" sz="2800" dirty="0" smtClean="0"/>
+              <a:t> set </a:t>
+            </a:r>
+            <a:r>
+              <a:rPr lang="en-US" sz="2800" dirty="0" err="1" smtClean="0"/>
+              <a:t>config</a:t>
+            </a:r>
+            <a:r>
+              <a:rPr lang="en-US" sz="2800" dirty="0" smtClean="0"/>
+              <a:t> /</a:t>
+            </a:r>
+            <a:r>
+              <a:rPr lang="en-US" sz="2800" dirty="0" err="1" smtClean="0"/>
+              <a:t>section:directoryBrowse</a:t>
+            </a:r>
+            <a:r>
+              <a:rPr lang="en-US" sz="2800" dirty="0" smtClean="0"/>
+              <a:t> /</a:t>
+            </a:r>
+            <a:r>
+              <a:rPr lang="en-US" sz="2800" dirty="0" err="1" smtClean="0"/>
+              <a:t>enabled:true</a:t>
+            </a:r>
+            <a:endParaRPr lang="en-US" sz="2800" dirty="0" smtClean="0"/>
+          </a:p>
+          <a:p>
+            <a:r>
+              <a:rPr lang="en-US" sz="3200" dirty="0" err="1" smtClean="0"/>
+              <a:t>SwaggerConfig.cs</a:t>
+            </a:r>
+            <a:r>
+              <a:rPr lang="en-US" sz="3200" dirty="0" smtClean="0"/>
+              <a:t> </a:t>
+            </a:r>
+          </a:p>
+          <a:p>
+            <a:pPr lvl="1"/>
+            <a:r>
+              <a:rPr lang="en-US" sz="2800" dirty="0" err="1" smtClean="0"/>
+              <a:t>EnableSwaggerUI</a:t>
+            </a:r>
+            <a:r>
+              <a:rPr lang="en-US" sz="2800" dirty="0" smtClean="0"/>
+              <a:t> </a:t>
+            </a:r>
+          </a:p>
+          <a:p>
+            <a:pPr lvl="1"/>
+            <a:endParaRPr lang="en-US" sz="2800" dirty="0"/>
+          </a:p>
+          <a:p>
+            <a:pPr marL="457200" lvl="1" indent="0">
+              <a:buNone/>
+            </a:pPr>
+            <a:r>
+              <a:rPr lang="en-US" sz="2800" dirty="0"/>
+              <a:t>	</a:t>
+            </a:r>
+            <a:r>
+              <a:rPr lang="en-US" sz="2800" dirty="0" smtClean="0"/>
+              <a:t>							</a:t>
+            </a:r>
+          </a:p>
+          <a:p>
+            <a:pPr marL="457200" lvl="1" indent="0">
+              <a:buNone/>
+            </a:pPr>
+            <a:endParaRPr lang="en-US" sz="2800" dirty="0" smtClean="0"/>
+          </a:p>
+          <a:p>
+            <a:pPr marL="457200" lvl="1" indent="0">
+              <a:buNone/>
+            </a:pPr>
+            <a:endParaRPr lang="en-US" sz="2800" dirty="0" smtClean="0"/>
+          </a:p>
+        </p:txBody>
+      </p:sp>
+      <p:sp>
+        <p:nvSpPr>
+          <p:cNvPr id="4" name="Θέση αριθμού διαφάνειας 3"/>
+          <p:cNvSpPr>
+            <a:spLocks noGrp="1"/>
+          </p:cNvSpPr>
+          <p:nvPr>
+            <p:ph type="sldNum" sz="quarter" idx="12"/>
+          </p:nvPr>
+        </p:nvSpPr>
+        <p:spPr/>
+        <p:txBody>
+          <a:bodyPr/>
+          <a:lstStyle/>
+          <a:p>
+            <a:fld id="{0A164282-434E-41D4-9582-783D542A7B68}" type="slidenum">
+              <a:rPr lang="en-US" smtClean="0"/>
+              <a:pPr/>
+              <a:t>24</a:t>
+            </a:fld>
+            <a:endParaRPr lang="en-US"/>
+          </a:p>
+        </p:txBody>
+      </p:sp>
+    </p:spTree>
+    <p:extLst>
+      <p:ext uri="{BB962C8B-B14F-4D97-AF65-F5344CB8AC3E}">
+        <p14:creationId xmlns:p14="http://schemas.microsoft.com/office/powerpoint/2010/main" val="610991948"/>
+      </p:ext>
+    </p:extLst>
+  </p:cSld>
+  <p:clrMapOvr>
+    <a:masterClrMapping/>
+  </p:clrMapOvr>
+  <p:timing>
+    <p:tnLst>
+      <p:par>
+        <p:cTn id="1" dur="indefinite" restart="never" nodeType="tmRoot"/>
+      </p:par>
+    </p:tnLst>
+  </p:timing>
+</p:sld>
+</file>
+
+<file path=ppt/slides/slide25.xml><?xml version="1.0" encoding="utf-8"?>
+<p:sld xmlns:a="http://schemas.openxmlformats.org/drawingml/2006/main" xmlns:r="http://schemas.openxmlformats.org/officeDocument/2006/relationships" xmlns:p="http://schemas.openxmlformats.org/presentationml/2006/main" show="0">
+  <p:cSld>
+    <p:spTree>
+      <p:nvGrpSpPr>
+        <p:cNvPr id="1" name=""/>
+        <p:cNvGrpSpPr/>
+        <p:nvPr/>
+      </p:nvGrpSpPr>
+      <p:grpSpPr>
+        <a:xfrm>
+          <a:off x="0" y="0"/>
+          <a:ext cx="0" cy="0"/>
+          <a:chOff x="0" y="0"/>
+          <a:chExt cx="0" cy="0"/>
+        </a:xfrm>
+      </p:grpSpPr>
+      <p:sp>
+        <p:nvSpPr>
           <p:cNvPr id="5" name="Title 4"/>
           <p:cNvSpPr>
             <a:spLocks noGrp="1"/>
@@ -13275,7 +13780,7 @@
             <a:fld id="{0A164282-434E-41D4-9582-783D542A7B68}" type="slidenum">
               <a:rPr lang="en-US" smtClean="0"/>
               <a:pPr/>
-              <a:t>24</a:t>
+              <a:t>25</a:t>
             </a:fld>
             <a:endParaRPr lang="en-US"/>
           </a:p>
@@ -13304,8 +13809,8 @@
 </p:sld>
 </file>
 
-<file path=ppt/slides/slide25.xml><?xml version="1.0" encoding="utf-8"?>
-<p:sld xmlns:a="http://schemas.openxmlformats.org/drawingml/2006/main" xmlns:r="http://schemas.openxmlformats.org/officeDocument/2006/relationships" xmlns:p="http://schemas.openxmlformats.org/presentationml/2006/main">
+<file path=ppt/slides/slide26.xml><?xml version="1.0" encoding="utf-8"?>
+<p:sld xmlns:a="http://schemas.openxmlformats.org/drawingml/2006/main" xmlns:r="http://schemas.openxmlformats.org/officeDocument/2006/relationships" xmlns:p="http://schemas.openxmlformats.org/presentationml/2006/main" show="0">
   <p:cSld>
     <p:spTree>
       <p:nvGrpSpPr>
@@ -13426,7 +13931,7 @@
             <a:fld id="{0A164282-434E-41D4-9582-783D542A7B68}" type="slidenum">
               <a:rPr lang="en-US" smtClean="0"/>
               <a:pPr/>
-              <a:t>25</a:t>
+              <a:t>26</a:t>
             </a:fld>
             <a:endParaRPr lang="en-US"/>
           </a:p>
@@ -13436,214 +13941,6 @@
     <p:extLst>
       <p:ext uri="{BB962C8B-B14F-4D97-AF65-F5344CB8AC3E}">
         <p14:creationId xmlns:p14="http://schemas.microsoft.com/office/powerpoint/2010/main" val="2663509626"/>
-      </p:ext>
-    </p:extLst>
-  </p:cSld>
-  <p:clrMapOvr>
-    <a:masterClrMapping/>
-  </p:clrMapOvr>
-  <p:transition spd="slow">
-    <p:cover/>
-  </p:transition>
-  <p:timing>
-    <p:tnLst>
-      <p:par>
-        <p:cTn id="1" dur="indefinite" restart="never" nodeType="tmRoot"/>
-      </p:par>
-    </p:tnLst>
-  </p:timing>
-</p:sld>
-</file>
-
-<file path=ppt/slides/slide26.xml><?xml version="1.0" encoding="utf-8"?>
-<p:sld xmlns:a="http://schemas.openxmlformats.org/drawingml/2006/main" xmlns:r="http://schemas.openxmlformats.org/officeDocument/2006/relationships" xmlns:p="http://schemas.openxmlformats.org/presentationml/2006/main">
-  <p:cSld>
-    <p:spTree>
-      <p:nvGrpSpPr>
-        <p:cNvPr id="1" name=""/>
-        <p:cNvGrpSpPr/>
-        <p:nvPr/>
-      </p:nvGrpSpPr>
-      <p:grpSpPr>
-        <a:xfrm>
-          <a:off x="0" y="0"/>
-          <a:ext cx="0" cy="0"/>
-          <a:chOff x="0" y="0"/>
-          <a:chExt cx="0" cy="0"/>
-        </a:xfrm>
-      </p:grpSpPr>
-      <p:sp>
-        <p:nvSpPr>
-          <p:cNvPr id="6" name="Title 5"/>
-          <p:cNvSpPr>
-            <a:spLocks noGrp="1"/>
-          </p:cNvSpPr>
-          <p:nvPr>
-            <p:ph type="title"/>
-          </p:nvPr>
-        </p:nvSpPr>
-        <p:spPr/>
-        <p:txBody>
-          <a:bodyPr/>
-          <a:lstStyle/>
-          <a:p>
-            <a:r>
-              <a:rPr lang="en-US" dirty="0" smtClean="0"/>
-              <a:t>Authentication</a:t>
-            </a:r>
-            <a:endParaRPr lang="en-US" dirty="0"/>
-          </a:p>
-        </p:txBody>
-      </p:sp>
-      <p:sp>
-        <p:nvSpPr>
-          <p:cNvPr id="7" name="Content Placeholder 6"/>
-          <p:cNvSpPr>
-            <a:spLocks noGrp="1"/>
-          </p:cNvSpPr>
-          <p:nvPr>
-            <p:ph idx="1"/>
-          </p:nvPr>
-        </p:nvSpPr>
-        <p:spPr>
-          <a:xfrm>
-            <a:off x="560798" y="1482812"/>
-            <a:ext cx="11079822" cy="4988872"/>
-          </a:xfrm>
-        </p:spPr>
-        <p:txBody>
-          <a:bodyPr>
-            <a:normAutofit fontScale="85000" lnSpcReduction="20000"/>
-          </a:bodyPr>
-          <a:lstStyle/>
-          <a:p>
-            <a:r>
-              <a:rPr lang="en-US" dirty="0" smtClean="0">
-                <a:latin typeface="+mj-lt"/>
-              </a:rPr>
-              <a:t>Multiple Identity providers supported</a:t>
-            </a:r>
-          </a:p>
-          <a:p>
-            <a:r>
-              <a:rPr lang="en-US" dirty="0" smtClean="0">
-                <a:latin typeface="+mj-lt"/>
-              </a:rPr>
-              <a:t>Authentication is done at the gateway</a:t>
-            </a:r>
-          </a:p>
-          <a:p>
-            <a:pPr lvl="1"/>
-            <a:r>
-              <a:rPr lang="en-US" dirty="0" smtClean="0">
-                <a:latin typeface="+mj-lt"/>
-              </a:rPr>
-              <a:t>You get a token on your App Service Apps</a:t>
-            </a:r>
-          </a:p>
-          <a:p>
-            <a:r>
-              <a:rPr lang="en-US" dirty="0" err="1" smtClean="0">
-                <a:latin typeface="+mj-lt"/>
-              </a:rPr>
-              <a:t>IdPs</a:t>
-            </a:r>
-            <a:r>
-              <a:rPr lang="en-US" dirty="0" smtClean="0">
-                <a:latin typeface="+mj-lt"/>
-              </a:rPr>
-              <a:t> supported:</a:t>
-            </a:r>
-          </a:p>
-          <a:p>
-            <a:pPr lvl="1"/>
-            <a:r>
-              <a:rPr lang="en-US" dirty="0" smtClean="0">
-                <a:latin typeface="+mj-lt"/>
-              </a:rPr>
-              <a:t>AAD</a:t>
-            </a:r>
-          </a:p>
-          <a:p>
-            <a:pPr lvl="1"/>
-            <a:r>
-              <a:rPr lang="en-US" dirty="0" smtClean="0">
-                <a:latin typeface="+mj-lt"/>
-              </a:rPr>
-              <a:t>MSA</a:t>
-            </a:r>
-          </a:p>
-          <a:p>
-            <a:pPr lvl="1"/>
-            <a:r>
-              <a:rPr lang="en-US" dirty="0" smtClean="0">
-                <a:latin typeface="+mj-lt"/>
-              </a:rPr>
-              <a:t>Facebook</a:t>
-            </a:r>
-          </a:p>
-          <a:p>
-            <a:pPr lvl="1"/>
-            <a:r>
-              <a:rPr lang="en-US" dirty="0" smtClean="0">
-                <a:latin typeface="+mj-lt"/>
-              </a:rPr>
-              <a:t>Twitter</a:t>
-            </a:r>
-          </a:p>
-          <a:p>
-            <a:pPr lvl="1"/>
-            <a:r>
-              <a:rPr lang="en-US" dirty="0" smtClean="0">
-                <a:latin typeface="+mj-lt"/>
-              </a:rPr>
-              <a:t>Google</a:t>
-            </a:r>
-          </a:p>
-          <a:p>
-            <a:r>
-              <a:rPr lang="en-US" dirty="0" smtClean="0">
-                <a:latin typeface="+mj-lt"/>
-              </a:rPr>
-              <a:t>API Apps can have be:</a:t>
-            </a:r>
-          </a:p>
-          <a:p>
-            <a:pPr lvl="1"/>
-            <a:r>
-              <a:rPr lang="en-US" dirty="0" smtClean="0">
-                <a:latin typeface="+mj-lt"/>
-              </a:rPr>
-              <a:t>Internal</a:t>
-            </a:r>
-          </a:p>
-          <a:p>
-            <a:pPr lvl="1"/>
-            <a:r>
-              <a:rPr lang="en-US" dirty="0" smtClean="0">
-                <a:latin typeface="+mj-lt"/>
-              </a:rPr>
-              <a:t>Public Anonymous</a:t>
-            </a:r>
-          </a:p>
-          <a:p>
-            <a:pPr lvl="1"/>
-            <a:r>
-              <a:rPr lang="en-US" dirty="0" smtClean="0">
-                <a:latin typeface="+mj-lt"/>
-              </a:rPr>
-              <a:t>Public Authenticated</a:t>
-            </a:r>
-            <a:endParaRPr lang="en-US" dirty="0">
-              <a:latin typeface="+mj-lt"/>
-            </a:endParaRPr>
-          </a:p>
-        </p:txBody>
-      </p:sp>
-    </p:spTree>
-    <p:extLst>
-      <p:ext uri="{BB962C8B-B14F-4D97-AF65-F5344CB8AC3E}">
-        <p14:creationId xmlns:p14="http://schemas.microsoft.com/office/powerpoint/2010/main" val="625867623"/>
       </p:ext>
     </p:extLst>
   </p:cSld>
@@ -13697,6 +13994,226 @@
           <a:p>
             <a:r>
               <a:rPr lang="en-US" dirty="0" smtClean="0"/>
+              <a:t>Authentication</a:t>
+            </a:r>
+            <a:endParaRPr lang="en-US" dirty="0"/>
+          </a:p>
+        </p:txBody>
+      </p:sp>
+      <p:sp>
+        <p:nvSpPr>
+          <p:cNvPr id="7" name="Content Placeholder 6"/>
+          <p:cNvSpPr>
+            <a:spLocks noGrp="1"/>
+          </p:cNvSpPr>
+          <p:nvPr>
+            <p:ph idx="1"/>
+          </p:nvPr>
+        </p:nvSpPr>
+        <p:spPr>
+          <a:xfrm>
+            <a:off x="560798" y="1482812"/>
+            <a:ext cx="11079822" cy="4988872"/>
+          </a:xfrm>
+        </p:spPr>
+        <p:txBody>
+          <a:bodyPr>
+            <a:normAutofit fontScale="85000" lnSpcReduction="20000"/>
+          </a:bodyPr>
+          <a:lstStyle/>
+          <a:p>
+            <a:r>
+              <a:rPr lang="en-US" dirty="0" smtClean="0">
+                <a:latin typeface="+mj-lt"/>
+              </a:rPr>
+              <a:t>Multiple Identity providers supported</a:t>
+            </a:r>
+          </a:p>
+          <a:p>
+            <a:r>
+              <a:rPr lang="en-US" dirty="0" smtClean="0">
+                <a:latin typeface="+mj-lt"/>
+              </a:rPr>
+              <a:t>Authentication is done at the gateway</a:t>
+            </a:r>
+          </a:p>
+          <a:p>
+            <a:pPr lvl="1"/>
+            <a:r>
+              <a:rPr lang="en-US" dirty="0" smtClean="0">
+                <a:latin typeface="+mj-lt"/>
+              </a:rPr>
+              <a:t>You get a token on your App Service Apps</a:t>
+            </a:r>
+          </a:p>
+          <a:p>
+            <a:r>
+              <a:rPr lang="en-US" dirty="0" err="1" smtClean="0">
+                <a:latin typeface="+mj-lt"/>
+              </a:rPr>
+              <a:t>IdPs</a:t>
+            </a:r>
+            <a:r>
+              <a:rPr lang="en-US" dirty="0" smtClean="0">
+                <a:latin typeface="+mj-lt"/>
+              </a:rPr>
+              <a:t> supported:</a:t>
+            </a:r>
+          </a:p>
+          <a:p>
+            <a:pPr lvl="1"/>
+            <a:r>
+              <a:rPr lang="en-US" dirty="0" smtClean="0">
+                <a:latin typeface="+mj-lt"/>
+              </a:rPr>
+              <a:t>AAD</a:t>
+            </a:r>
+          </a:p>
+          <a:p>
+            <a:pPr lvl="1"/>
+            <a:r>
+              <a:rPr lang="en-US" dirty="0" smtClean="0">
+                <a:latin typeface="+mj-lt"/>
+              </a:rPr>
+              <a:t>MSA</a:t>
+            </a:r>
+          </a:p>
+          <a:p>
+            <a:pPr lvl="1"/>
+            <a:r>
+              <a:rPr lang="en-US" dirty="0" smtClean="0">
+                <a:latin typeface="+mj-lt"/>
+              </a:rPr>
+              <a:t>Facebook</a:t>
+            </a:r>
+          </a:p>
+          <a:p>
+            <a:pPr lvl="1"/>
+            <a:r>
+              <a:rPr lang="en-US" dirty="0" smtClean="0">
+                <a:latin typeface="+mj-lt"/>
+              </a:rPr>
+              <a:t>Twitter</a:t>
+            </a:r>
+          </a:p>
+          <a:p>
+            <a:pPr lvl="1"/>
+            <a:r>
+              <a:rPr lang="en-US" dirty="0" smtClean="0">
+                <a:latin typeface="+mj-lt"/>
+              </a:rPr>
+              <a:t>Google</a:t>
+            </a:r>
+          </a:p>
+          <a:p>
+            <a:r>
+              <a:rPr lang="en-US" dirty="0" smtClean="0">
+                <a:latin typeface="+mj-lt"/>
+              </a:rPr>
+              <a:t>API Apps can </a:t>
+            </a:r>
+            <a:r>
+              <a:rPr lang="en-US" dirty="0" smtClean="0">
+                <a:latin typeface="+mj-lt"/>
+              </a:rPr>
+              <a:t>be</a:t>
+            </a:r>
+            <a:r>
+              <a:rPr lang="en-US" dirty="0" smtClean="0">
+                <a:latin typeface="+mj-lt"/>
+              </a:rPr>
+              <a:t>:</a:t>
+            </a:r>
+          </a:p>
+          <a:p>
+            <a:pPr lvl="1"/>
+            <a:r>
+              <a:rPr lang="en-US" dirty="0" smtClean="0">
+                <a:latin typeface="+mj-lt"/>
+              </a:rPr>
+              <a:t>Internal</a:t>
+            </a:r>
+          </a:p>
+          <a:p>
+            <a:pPr lvl="1"/>
+            <a:r>
+              <a:rPr lang="en-US" dirty="0" smtClean="0">
+                <a:latin typeface="+mj-lt"/>
+              </a:rPr>
+              <a:t>Public Anonymous</a:t>
+            </a:r>
+          </a:p>
+          <a:p>
+            <a:pPr lvl="1"/>
+            <a:r>
+              <a:rPr lang="en-US" dirty="0" smtClean="0">
+                <a:latin typeface="+mj-lt"/>
+              </a:rPr>
+              <a:t>Public Authenticated</a:t>
+            </a:r>
+            <a:endParaRPr lang="en-US" dirty="0">
+              <a:latin typeface="+mj-lt"/>
+            </a:endParaRPr>
+          </a:p>
+        </p:txBody>
+      </p:sp>
+    </p:spTree>
+    <p:extLst>
+      <p:ext uri="{BB962C8B-B14F-4D97-AF65-F5344CB8AC3E}">
+        <p14:creationId xmlns:p14="http://schemas.microsoft.com/office/powerpoint/2010/main" val="625867623"/>
+      </p:ext>
+    </p:extLst>
+  </p:cSld>
+  <p:clrMapOvr>
+    <a:masterClrMapping/>
+  </p:clrMapOvr>
+  <p:transition spd="slow">
+    <p:cover/>
+  </p:transition>
+  <p:timing>
+    <p:tnLst>
+      <p:par>
+        <p:cTn id="1" dur="indefinite" restart="never" nodeType="tmRoot"/>
+      </p:par>
+    </p:tnLst>
+  </p:timing>
+</p:sld>
+</file>
+
+<file path=ppt/slides/slide28.xml><?xml version="1.0" encoding="utf-8"?>
+<p:sld xmlns:a="http://schemas.openxmlformats.org/drawingml/2006/main" xmlns:r="http://schemas.openxmlformats.org/officeDocument/2006/relationships" xmlns:p="http://schemas.openxmlformats.org/presentationml/2006/main">
+  <p:cSld>
+    <p:spTree>
+      <p:nvGrpSpPr>
+        <p:cNvPr id="1" name=""/>
+        <p:cNvGrpSpPr/>
+        <p:nvPr/>
+      </p:nvGrpSpPr>
+      <p:grpSpPr>
+        <a:xfrm>
+          <a:off x="0" y="0"/>
+          <a:ext cx="0" cy="0"/>
+          <a:chOff x="0" y="0"/>
+          <a:chExt cx="0" cy="0"/>
+        </a:xfrm>
+      </p:grpSpPr>
+      <p:sp>
+        <p:nvSpPr>
+          <p:cNvPr id="6" name="Title 5"/>
+          <p:cNvSpPr>
+            <a:spLocks noGrp="1"/>
+          </p:cNvSpPr>
+          <p:nvPr>
+            <p:ph type="title"/>
+          </p:nvPr>
+        </p:nvSpPr>
+        <p:spPr/>
+        <p:txBody>
+          <a:bodyPr/>
+          <a:lstStyle/>
+          <a:p>
+            <a:r>
+              <a:rPr lang="en-US" dirty="0" smtClean="0"/>
               <a:t>Summary of features</a:t>
             </a:r>
             <a:endParaRPr lang="en-US" dirty="0"/>
@@ -13843,7 +14360,7 @@
 </p:sld>
 </file>
 
-<file path=ppt/slides/slide28.xml><?xml version="1.0" encoding="utf-8"?>
+<file path=ppt/slides/slide29.xml><?xml version="1.0" encoding="utf-8"?>
 <p:sld xmlns:a="http://schemas.openxmlformats.org/drawingml/2006/main" xmlns:r="http://schemas.openxmlformats.org/officeDocument/2006/relationships" xmlns:p="http://schemas.openxmlformats.org/presentationml/2006/main">
   <p:cSld>
     <p:spTree>
@@ -14051,1929 +14568,6 @@
             </p:seq>
           </p:childTnLst>
         </p:cTn>
-      </p:par>
-    </p:tnLst>
-  </p:timing>
-</p:sld>
-</file>
-
-<file path=ppt/slides/slide29.xml><?xml version="1.0" encoding="utf-8"?>
-<p:sld xmlns:a="http://schemas.openxmlformats.org/drawingml/2006/main" xmlns:r="http://schemas.openxmlformats.org/officeDocument/2006/relationships" xmlns:p="http://schemas.openxmlformats.org/presentationml/2006/main">
-  <p:cSld>
-    <p:spTree>
-      <p:nvGrpSpPr>
-        <p:cNvPr id="1" name=""/>
-        <p:cNvGrpSpPr/>
-        <p:nvPr/>
-      </p:nvGrpSpPr>
-      <p:grpSpPr>
-        <a:xfrm>
-          <a:off x="0" y="0"/>
-          <a:ext cx="0" cy="0"/>
-          <a:chOff x="0" y="0"/>
-          <a:chExt cx="0" cy="0"/>
-        </a:xfrm>
-      </p:grpSpPr>
-      <p:sp>
-        <p:nvSpPr>
-          <p:cNvPr id="4" name="Slide Number Placeholder 3"/>
-          <p:cNvSpPr>
-            <a:spLocks noGrp="1"/>
-          </p:cNvSpPr>
-          <p:nvPr>
-            <p:ph type="sldNum" sz="quarter" idx="12"/>
-          </p:nvPr>
-        </p:nvSpPr>
-        <p:spPr/>
-        <p:txBody>
-          <a:bodyPr/>
-          <a:lstStyle/>
-          <a:p>
-            <a:fld id="{0A164282-434E-41D4-9582-783D542A7B68}" type="slidenum">
-              <a:rPr lang="en-US" smtClean="0"/>
-              <a:pPr/>
-              <a:t>29</a:t>
-            </a:fld>
-            <a:endParaRPr lang="en-US"/>
-          </a:p>
-        </p:txBody>
-      </p:sp>
-      <p:pic>
-        <p:nvPicPr>
-          <p:cNvPr id="35" name="Picture 34"/>
-          <p:cNvPicPr>
-            <a:picLocks noChangeAspect="1"/>
-          </p:cNvPicPr>
-          <p:nvPr/>
-        </p:nvPicPr>
-        <p:blipFill>
-          <a:blip r:embed="rId2"/>
-          <a:stretch>
-            <a:fillRect/>
-          </a:stretch>
-        </p:blipFill>
-        <p:spPr>
-          <a:xfrm>
-            <a:off x="5901358" y="4181837"/>
-            <a:ext cx="572299" cy="467481"/>
-          </a:xfrm>
-          <a:prstGeom prst="rect">
-            <a:avLst/>
-          </a:prstGeom>
-        </p:spPr>
-      </p:pic>
-      <p:pic>
-        <p:nvPicPr>
-          <p:cNvPr id="36" name="Picture 35"/>
-          <p:cNvPicPr>
-            <a:picLocks noChangeAspect="1"/>
-          </p:cNvPicPr>
-          <p:nvPr/>
-        </p:nvPicPr>
-        <p:blipFill>
-          <a:blip r:embed="rId2">
-            <a:duotone>
-              <a:schemeClr val="accent4">
-                <a:shade val="45000"/>
-                <a:satMod val="135000"/>
-              </a:schemeClr>
-              <a:prstClr val="white"/>
-            </a:duotone>
-          </a:blip>
-          <a:stretch>
-            <a:fillRect/>
-          </a:stretch>
-        </p:blipFill>
-        <p:spPr>
-          <a:xfrm>
-            <a:off x="7759115" y="4176034"/>
-            <a:ext cx="572299" cy="467481"/>
-          </a:xfrm>
-          <a:prstGeom prst="rect">
-            <a:avLst/>
-          </a:prstGeom>
-        </p:spPr>
-      </p:pic>
-      <p:pic>
-        <p:nvPicPr>
-          <p:cNvPr id="38" name="Picture 37"/>
-          <p:cNvPicPr>
-            <a:picLocks noChangeAspect="1"/>
-          </p:cNvPicPr>
-          <p:nvPr/>
-        </p:nvPicPr>
-        <p:blipFill>
-          <a:blip r:embed="rId2">
-            <a:duotone>
-              <a:prstClr val="black"/>
-              <a:schemeClr val="accent6">
-                <a:tint val="45000"/>
-                <a:satMod val="400000"/>
-              </a:schemeClr>
-            </a:duotone>
-          </a:blip>
-          <a:stretch>
-            <a:fillRect/>
-          </a:stretch>
-        </p:blipFill>
-        <p:spPr>
-          <a:xfrm>
-            <a:off x="9699288" y="4176034"/>
-            <a:ext cx="572299" cy="467481"/>
-          </a:xfrm>
-          <a:prstGeom prst="rect">
-            <a:avLst/>
-          </a:prstGeom>
-        </p:spPr>
-      </p:pic>
-      <p:grpSp>
-        <p:nvGrpSpPr>
-          <p:cNvPr id="66" name="Group 65"/>
-          <p:cNvGrpSpPr/>
-          <p:nvPr/>
-        </p:nvGrpSpPr>
-        <p:grpSpPr>
-          <a:xfrm>
-            <a:off x="7695065" y="1517966"/>
-            <a:ext cx="776431" cy="736518"/>
-            <a:chOff x="532219" y="3319836"/>
-            <a:chExt cx="1127475" cy="1090524"/>
-          </a:xfrm>
-        </p:grpSpPr>
-        <p:sp>
-          <p:nvSpPr>
-            <p:cNvPr id="68" name="TextBox 67"/>
-            <p:cNvSpPr txBox="1"/>
-            <p:nvPr/>
-          </p:nvSpPr>
-          <p:spPr>
-            <a:xfrm>
-              <a:off x="532219" y="3863509"/>
-              <a:ext cx="1127475" cy="546851"/>
-            </a:xfrm>
-            <a:prstGeom prst="rect">
-              <a:avLst/>
-            </a:prstGeom>
-            <a:noFill/>
-          </p:spPr>
-          <p:txBody>
-            <a:bodyPr wrap="none" rtlCol="0">
-              <a:spAutoFit/>
-            </a:bodyPr>
-            <a:lstStyle/>
-            <a:p>
-              <a:pPr algn="ctr"/>
-              <a:r>
-                <a:rPr lang="en-US" dirty="0" smtClean="0">
-                  <a:solidFill>
-                    <a:prstClr val="white"/>
-                  </a:solidFill>
-                </a:rPr>
-                <a:t>AZ LB</a:t>
-              </a:r>
-              <a:endParaRPr lang="en-US" dirty="0">
-                <a:solidFill>
-                  <a:prstClr val="white"/>
-                </a:solidFill>
-              </a:endParaRPr>
-            </a:p>
-          </p:txBody>
-        </p:sp>
-        <p:grpSp>
-          <p:nvGrpSpPr>
-            <p:cNvPr id="69" name="Group 68"/>
-            <p:cNvGrpSpPr/>
-            <p:nvPr/>
-          </p:nvGrpSpPr>
-          <p:grpSpPr>
-            <a:xfrm>
-              <a:off x="625228" y="3319836"/>
-              <a:ext cx="941456" cy="493702"/>
-              <a:chOff x="729527" y="2180022"/>
-              <a:chExt cx="941456" cy="493702"/>
-            </a:xfrm>
-          </p:grpSpPr>
-          <p:sp>
-            <p:nvSpPr>
-              <p:cNvPr id="70" name="Trapezoid 69"/>
-              <p:cNvSpPr/>
-              <p:nvPr/>
-            </p:nvSpPr>
-            <p:spPr>
-              <a:xfrm>
-                <a:off x="729527" y="2180022"/>
-                <a:ext cx="941456" cy="493702"/>
-              </a:xfrm>
-              <a:prstGeom prst="trapezoid">
-                <a:avLst/>
-              </a:prstGeom>
-              <a:solidFill>
-                <a:schemeClr val="bg1"/>
-              </a:solidFill>
-              <a:ln>
-                <a:solidFill>
-                  <a:schemeClr val="bg1"/>
-                </a:solidFill>
-              </a:ln>
-            </p:spPr>
-            <p:style>
-              <a:lnRef idx="2">
-                <a:schemeClr val="accent1">
-                  <a:shade val="50000"/>
-                </a:schemeClr>
-              </a:lnRef>
-              <a:fillRef idx="1">
-                <a:schemeClr val="accent1"/>
-              </a:fillRef>
-              <a:effectRef idx="0">
-                <a:schemeClr val="accent1"/>
-              </a:effectRef>
-              <a:fontRef idx="minor">
-                <a:schemeClr val="lt1"/>
-              </a:fontRef>
-            </p:style>
-            <p:txBody>
-              <a:bodyPr rtlCol="0" anchor="ctr"/>
-              <a:lstStyle/>
-              <a:p>
-                <a:pPr algn="ctr"/>
-                <a:endParaRPr lang="en-US">
-                  <a:solidFill>
-                    <a:prstClr val="white"/>
-                  </a:solidFill>
-                </a:endParaRPr>
-              </a:p>
-            </p:txBody>
-          </p:sp>
-          <p:pic>
-            <p:nvPicPr>
-              <p:cNvPr id="76" name="Picture 75"/>
-              <p:cNvPicPr>
-                <a:picLocks noChangeAspect="1"/>
-              </p:cNvPicPr>
-              <p:nvPr/>
-            </p:nvPicPr>
-            <p:blipFill>
-              <a:blip r:embed="rId3">
-                <a:duotone>
-                  <a:prstClr val="black"/>
-                  <a:srgbClr val="1D4380">
-                    <a:tint val="45000"/>
-                    <a:satMod val="400000"/>
-                  </a:srgbClr>
-                </a:duotone>
-              </a:blip>
-              <a:stretch>
-                <a:fillRect/>
-              </a:stretch>
-            </p:blipFill>
-            <p:spPr>
-              <a:xfrm>
-                <a:off x="1034424" y="2234337"/>
-                <a:ext cx="331662" cy="439325"/>
-              </a:xfrm>
-              <a:prstGeom prst="rect">
-                <a:avLst/>
-              </a:prstGeom>
-            </p:spPr>
-          </p:pic>
-        </p:grpSp>
-      </p:grpSp>
-      <p:grpSp>
-        <p:nvGrpSpPr>
-          <p:cNvPr id="77" name="Group 76"/>
-          <p:cNvGrpSpPr/>
-          <p:nvPr/>
-        </p:nvGrpSpPr>
-        <p:grpSpPr>
-          <a:xfrm>
-            <a:off x="7475510" y="324876"/>
-            <a:ext cx="1225096" cy="476110"/>
-            <a:chOff x="144154" y="2312570"/>
-            <a:chExt cx="1801469" cy="614504"/>
-          </a:xfrm>
-        </p:grpSpPr>
-        <p:pic>
-          <p:nvPicPr>
-            <p:cNvPr id="78" name="Picture 77"/>
-            <p:cNvPicPr>
-              <a:picLocks noChangeAspect="1"/>
-            </p:cNvPicPr>
-            <p:nvPr/>
-          </p:nvPicPr>
-          <p:blipFill>
-            <a:blip r:embed="rId4">
-              <a:biLevel thresh="25000"/>
-            </a:blip>
-            <a:stretch>
-              <a:fillRect/>
-            </a:stretch>
-          </p:blipFill>
-          <p:spPr>
-            <a:xfrm>
-              <a:off x="144154" y="2312570"/>
-              <a:ext cx="435794" cy="614504"/>
-            </a:xfrm>
-            <a:prstGeom prst="rect">
-              <a:avLst/>
-            </a:prstGeom>
-          </p:spPr>
-        </p:pic>
-        <p:pic>
-          <p:nvPicPr>
-            <p:cNvPr id="79" name="Picture 78"/>
-            <p:cNvPicPr>
-              <a:picLocks noChangeAspect="1"/>
-            </p:cNvPicPr>
-            <p:nvPr/>
-          </p:nvPicPr>
-          <p:blipFill>
-            <a:blip r:embed="rId5">
-              <a:biLevel thresh="25000"/>
-            </a:blip>
-            <a:stretch>
-              <a:fillRect/>
-            </a:stretch>
-          </p:blipFill>
-          <p:spPr>
-            <a:xfrm>
-              <a:off x="1369250" y="2442108"/>
-              <a:ext cx="576373" cy="380566"/>
-            </a:xfrm>
-            <a:prstGeom prst="rect">
-              <a:avLst/>
-            </a:prstGeom>
-          </p:spPr>
-        </p:pic>
-        <p:pic>
-          <p:nvPicPr>
-            <p:cNvPr id="80" name="Picture 79"/>
-            <p:cNvPicPr>
-              <a:picLocks noChangeAspect="1"/>
-            </p:cNvPicPr>
-            <p:nvPr/>
-          </p:nvPicPr>
-          <p:blipFill>
-            <a:blip r:embed="rId6">
-              <a:biLevel thresh="25000"/>
-            </a:blip>
-            <a:stretch>
-              <a:fillRect/>
-            </a:stretch>
-          </p:blipFill>
-          <p:spPr>
-            <a:xfrm>
-              <a:off x="625228" y="2419998"/>
-              <a:ext cx="679390" cy="424786"/>
-            </a:xfrm>
-            <a:prstGeom prst="rect">
-              <a:avLst/>
-            </a:prstGeom>
-          </p:spPr>
-        </p:pic>
-      </p:grpSp>
-      <p:cxnSp>
-        <p:nvCxnSpPr>
-          <p:cNvPr id="81" name="Straight Arrow Connector 80"/>
-          <p:cNvCxnSpPr>
-            <a:endCxn id="70" idx="0"/>
-          </p:cNvCxnSpPr>
-          <p:nvPr/>
-        </p:nvCxnSpPr>
-        <p:spPr>
-          <a:xfrm flipH="1">
-            <a:off x="8083280" y="886047"/>
-            <a:ext cx="4553" cy="631920"/>
-          </a:xfrm>
-          <a:prstGeom prst="straightConnector1">
-            <a:avLst/>
-          </a:prstGeom>
-          <a:ln w="28575">
-            <a:solidFill>
-              <a:srgbClr val="00B0F0"/>
-            </a:solidFill>
-            <a:prstDash val="solid"/>
-            <a:tailEnd type="triangle"/>
-          </a:ln>
-        </p:spPr>
-        <p:style>
-          <a:lnRef idx="1">
-            <a:schemeClr val="accent1"/>
-          </a:lnRef>
-          <a:fillRef idx="0">
-            <a:schemeClr val="accent1"/>
-          </a:fillRef>
-          <a:effectRef idx="0">
-            <a:schemeClr val="accent1"/>
-          </a:effectRef>
-          <a:fontRef idx="minor">
-            <a:schemeClr val="tx1"/>
-          </a:fontRef>
-        </p:style>
-      </p:cxnSp>
-      <p:pic>
-        <p:nvPicPr>
-          <p:cNvPr id="83" name="Picture 82"/>
-          <p:cNvPicPr>
-            <a:picLocks noChangeAspect="1"/>
-          </p:cNvPicPr>
-          <p:nvPr/>
-        </p:nvPicPr>
-        <p:blipFill>
-          <a:blip r:embed="rId7">
-            <a:biLevel thresh="25000"/>
-          </a:blip>
-          <a:stretch>
-            <a:fillRect/>
-          </a:stretch>
-        </p:blipFill>
-        <p:spPr>
-          <a:xfrm>
-            <a:off x="5856365" y="5415090"/>
-            <a:ext cx="553200" cy="584665"/>
-          </a:xfrm>
-          <a:prstGeom prst="rect">
-            <a:avLst/>
-          </a:prstGeom>
-        </p:spPr>
-      </p:pic>
-      <p:pic>
-        <p:nvPicPr>
-          <p:cNvPr id="86" name="Picture 85"/>
-          <p:cNvPicPr>
-            <a:picLocks noChangeAspect="1"/>
-          </p:cNvPicPr>
-          <p:nvPr/>
-        </p:nvPicPr>
-        <p:blipFill>
-          <a:blip r:embed="rId8">
-            <a:biLevel thresh="25000"/>
-          </a:blip>
-          <a:stretch>
-            <a:fillRect/>
-          </a:stretch>
-        </p:blipFill>
-        <p:spPr>
-          <a:xfrm>
-            <a:off x="6681260" y="5415090"/>
-            <a:ext cx="605264" cy="527979"/>
-          </a:xfrm>
-          <a:prstGeom prst="rect">
-            <a:avLst/>
-          </a:prstGeom>
-        </p:spPr>
-      </p:pic>
-      <p:sp>
-        <p:nvSpPr>
-          <p:cNvPr id="94" name="Rectangle 93"/>
-          <p:cNvSpPr/>
-          <p:nvPr/>
-        </p:nvSpPr>
-        <p:spPr>
-          <a:xfrm>
-            <a:off x="6192508" y="2613381"/>
-            <a:ext cx="3638487" cy="417982"/>
-          </a:xfrm>
-          <a:prstGeom prst="rect">
-            <a:avLst/>
-          </a:prstGeom>
-        </p:spPr>
-        <p:style>
-          <a:lnRef idx="2">
-            <a:schemeClr val="accent6">
-              <a:shade val="50000"/>
-            </a:schemeClr>
-          </a:lnRef>
-          <a:fillRef idx="1">
-            <a:schemeClr val="accent6"/>
-          </a:fillRef>
-          <a:effectRef idx="0">
-            <a:schemeClr val="accent6"/>
-          </a:effectRef>
-          <a:fontRef idx="minor">
-            <a:schemeClr val="lt1"/>
-          </a:fontRef>
-        </p:style>
-        <p:txBody>
-          <a:bodyPr rtlCol="0" anchor="ctr"/>
-          <a:lstStyle/>
-          <a:p>
-            <a:pPr algn="ctr"/>
-            <a:r>
-              <a:rPr lang="en-US" dirty="0" smtClean="0">
-                <a:solidFill>
-                  <a:prstClr val="white"/>
-                </a:solidFill>
-              </a:rPr>
-              <a:t>Gateway App</a:t>
-            </a:r>
-            <a:endParaRPr lang="en-US" dirty="0">
-              <a:solidFill>
-                <a:prstClr val="white"/>
-              </a:solidFill>
-            </a:endParaRPr>
-          </a:p>
-        </p:txBody>
-      </p:sp>
-      <p:pic>
-        <p:nvPicPr>
-          <p:cNvPr id="96" name="Picture 95"/>
-          <p:cNvPicPr>
-            <a:picLocks noChangeAspect="1"/>
-          </p:cNvPicPr>
-          <p:nvPr/>
-        </p:nvPicPr>
-        <p:blipFill>
-          <a:blip r:embed="rId9" cstate="print">
-            <a:extLst>
-              <a:ext uri="{28A0092B-C50C-407E-A947-70E740481C1C}">
-                <a14:useLocalDpi xmlns:a14="http://schemas.microsoft.com/office/drawing/2010/main" val="0"/>
-              </a:ext>
-            </a:extLst>
-          </a:blip>
-          <a:stretch>
-            <a:fillRect/>
-          </a:stretch>
-        </p:blipFill>
-        <p:spPr>
-          <a:xfrm>
-            <a:off x="7559237" y="5451123"/>
-            <a:ext cx="638242" cy="548632"/>
-          </a:xfrm>
-          <a:prstGeom prst="rect">
-            <a:avLst/>
-          </a:prstGeom>
-        </p:spPr>
-      </p:pic>
-      <p:cxnSp>
-        <p:nvCxnSpPr>
-          <p:cNvPr id="31" name="Straight Arrow Connector 30"/>
-          <p:cNvCxnSpPr>
-            <a:endCxn id="41" idx="0"/>
-          </p:cNvCxnSpPr>
-          <p:nvPr/>
-        </p:nvCxnSpPr>
-        <p:spPr>
-          <a:xfrm flipH="1">
-            <a:off x="8014166" y="2199539"/>
-            <a:ext cx="69115" cy="334680"/>
-          </a:xfrm>
-          <a:prstGeom prst="straightConnector1">
-            <a:avLst/>
-          </a:prstGeom>
-          <a:ln w="28575">
-            <a:solidFill>
-              <a:srgbClr val="00B0F0"/>
-            </a:solidFill>
-            <a:prstDash val="solid"/>
-            <a:tailEnd type="triangle"/>
-          </a:ln>
-        </p:spPr>
-        <p:style>
-          <a:lnRef idx="1">
-            <a:schemeClr val="accent1"/>
-          </a:lnRef>
-          <a:fillRef idx="0">
-            <a:schemeClr val="accent1"/>
-          </a:fillRef>
-          <a:effectRef idx="0">
-            <a:schemeClr val="accent1"/>
-          </a:effectRef>
-          <a:fontRef idx="minor">
-            <a:schemeClr val="tx1"/>
-          </a:fontRef>
-        </p:style>
-      </p:cxnSp>
-      <p:sp>
-        <p:nvSpPr>
-          <p:cNvPr id="33" name="Rectangle 32"/>
-          <p:cNvSpPr/>
-          <p:nvPr/>
-        </p:nvSpPr>
-        <p:spPr>
-          <a:xfrm>
-            <a:off x="5856364" y="4928285"/>
-            <a:ext cx="4477427" cy="365548"/>
-          </a:xfrm>
-          <a:prstGeom prst="rect">
-            <a:avLst/>
-          </a:prstGeom>
-        </p:spPr>
-        <p:style>
-          <a:lnRef idx="2">
-            <a:schemeClr val="accent1">
-              <a:shade val="50000"/>
-            </a:schemeClr>
-          </a:lnRef>
-          <a:fillRef idx="1">
-            <a:schemeClr val="accent1"/>
-          </a:fillRef>
-          <a:effectRef idx="0">
-            <a:schemeClr val="accent1"/>
-          </a:effectRef>
-          <a:fontRef idx="minor">
-            <a:schemeClr val="lt1"/>
-          </a:fontRef>
-        </p:style>
-        <p:txBody>
-          <a:bodyPr rtlCol="0" anchor="ctr"/>
-          <a:lstStyle/>
-          <a:p>
-            <a:pPr algn="ctr"/>
-            <a:r>
-              <a:rPr lang="en-US" dirty="0" smtClean="0">
-                <a:solidFill>
-                  <a:prstClr val="white"/>
-                </a:solidFill>
-              </a:rPr>
-              <a:t>Azure Services</a:t>
-            </a:r>
-            <a:endParaRPr lang="en-US" dirty="0">
-              <a:solidFill>
-                <a:prstClr val="white"/>
-              </a:solidFill>
-            </a:endParaRPr>
-          </a:p>
-        </p:txBody>
-      </p:sp>
-      <p:sp>
-        <p:nvSpPr>
-          <p:cNvPr id="7" name="Rectangle 6"/>
-          <p:cNvSpPr/>
-          <p:nvPr/>
-        </p:nvSpPr>
-        <p:spPr>
-          <a:xfrm>
-            <a:off x="5853425" y="4090621"/>
-            <a:ext cx="2554020" cy="614642"/>
-          </a:xfrm>
-          <a:prstGeom prst="rect">
-            <a:avLst/>
-          </a:prstGeom>
-          <a:noFill/>
-          <a:ln w="28575">
-            <a:prstDash val="sysDash"/>
-          </a:ln>
-        </p:spPr>
-        <p:style>
-          <a:lnRef idx="2">
-            <a:schemeClr val="accent1">
-              <a:shade val="50000"/>
-            </a:schemeClr>
-          </a:lnRef>
-          <a:fillRef idx="1">
-            <a:schemeClr val="accent1"/>
-          </a:fillRef>
-          <a:effectRef idx="0">
-            <a:schemeClr val="accent1"/>
-          </a:effectRef>
-          <a:fontRef idx="minor">
-            <a:schemeClr val="lt1"/>
-          </a:fontRef>
-        </p:style>
-        <p:txBody>
-          <a:bodyPr rtlCol="0" anchor="ctr"/>
-          <a:lstStyle/>
-          <a:p>
-            <a:pPr algn="ctr"/>
-            <a:endParaRPr lang="en-US"/>
-          </a:p>
-        </p:txBody>
-      </p:sp>
-      <p:sp>
-        <p:nvSpPr>
-          <p:cNvPr id="37" name="Rectangle 36"/>
-          <p:cNvSpPr/>
-          <p:nvPr/>
-        </p:nvSpPr>
-        <p:spPr>
-          <a:xfrm>
-            <a:off x="9637086" y="4102453"/>
-            <a:ext cx="696705" cy="614642"/>
-          </a:xfrm>
-          <a:prstGeom prst="rect">
-            <a:avLst/>
-          </a:prstGeom>
-          <a:noFill/>
-          <a:ln w="28575">
-            <a:prstDash val="sysDash"/>
-          </a:ln>
-        </p:spPr>
-        <p:style>
-          <a:lnRef idx="2">
-            <a:schemeClr val="accent1">
-              <a:shade val="50000"/>
-            </a:schemeClr>
-          </a:lnRef>
-          <a:fillRef idx="1">
-            <a:schemeClr val="accent1"/>
-          </a:fillRef>
-          <a:effectRef idx="0">
-            <a:schemeClr val="accent1"/>
-          </a:effectRef>
-          <a:fontRef idx="minor">
-            <a:schemeClr val="lt1"/>
-          </a:fontRef>
-        </p:style>
-        <p:txBody>
-          <a:bodyPr rtlCol="0" anchor="ctr"/>
-          <a:lstStyle/>
-          <a:p>
-            <a:pPr algn="ctr"/>
-            <a:endParaRPr lang="en-US"/>
-          </a:p>
-        </p:txBody>
-      </p:sp>
-      <p:sp>
-        <p:nvSpPr>
-          <p:cNvPr id="39" name="Rectangle 38"/>
-          <p:cNvSpPr/>
-          <p:nvPr/>
-        </p:nvSpPr>
-        <p:spPr>
-          <a:xfrm>
-            <a:off x="6192508" y="3086123"/>
-            <a:ext cx="1944943" cy="417982"/>
-          </a:xfrm>
-          <a:prstGeom prst="rect">
-            <a:avLst/>
-          </a:prstGeom>
-        </p:spPr>
-        <p:style>
-          <a:lnRef idx="2">
-            <a:schemeClr val="accent4">
-              <a:shade val="50000"/>
-            </a:schemeClr>
-          </a:lnRef>
-          <a:fillRef idx="1">
-            <a:schemeClr val="accent4"/>
-          </a:fillRef>
-          <a:effectRef idx="0">
-            <a:schemeClr val="accent4"/>
-          </a:effectRef>
-          <a:fontRef idx="minor">
-            <a:schemeClr val="lt1"/>
-          </a:fontRef>
-        </p:style>
-        <p:txBody>
-          <a:bodyPr rtlCol="0" anchor="ctr"/>
-          <a:lstStyle/>
-          <a:p>
-            <a:pPr algn="ctr"/>
-            <a:r>
-              <a:rPr lang="en-US" dirty="0" smtClean="0">
-                <a:solidFill>
-                  <a:prstClr val="white"/>
-                </a:solidFill>
-              </a:rPr>
-              <a:t>API Management</a:t>
-            </a:r>
-            <a:endParaRPr lang="en-US" dirty="0">
-              <a:solidFill>
-                <a:prstClr val="white"/>
-              </a:solidFill>
-            </a:endParaRPr>
-          </a:p>
-        </p:txBody>
-      </p:sp>
-      <p:sp>
-        <p:nvSpPr>
-          <p:cNvPr id="40" name="Rectangle 39"/>
-          <p:cNvSpPr/>
-          <p:nvPr/>
-        </p:nvSpPr>
-        <p:spPr>
-          <a:xfrm>
-            <a:off x="8137452" y="3086123"/>
-            <a:ext cx="1693543" cy="417982"/>
-          </a:xfrm>
-          <a:prstGeom prst="rect">
-            <a:avLst/>
-          </a:prstGeom>
-        </p:spPr>
-        <p:style>
-          <a:lnRef idx="2">
-            <a:schemeClr val="accent2">
-              <a:shade val="50000"/>
-            </a:schemeClr>
-          </a:lnRef>
-          <a:fillRef idx="1">
-            <a:schemeClr val="accent2"/>
-          </a:fillRef>
-          <a:effectRef idx="0">
-            <a:schemeClr val="accent2"/>
-          </a:effectRef>
-          <a:fontRef idx="minor">
-            <a:schemeClr val="lt1"/>
-          </a:fontRef>
-        </p:style>
-        <p:txBody>
-          <a:bodyPr rtlCol="0" anchor="ctr"/>
-          <a:lstStyle/>
-          <a:p>
-            <a:pPr algn="ctr"/>
-            <a:r>
-              <a:rPr lang="en-US" dirty="0" smtClean="0">
-                <a:solidFill>
-                  <a:prstClr val="white"/>
-                </a:solidFill>
-              </a:rPr>
-              <a:t>Authentication</a:t>
-            </a:r>
-            <a:endParaRPr lang="en-US" dirty="0">
-              <a:solidFill>
-                <a:prstClr val="white"/>
-              </a:solidFill>
-            </a:endParaRPr>
-          </a:p>
-        </p:txBody>
-      </p:sp>
-      <p:sp>
-        <p:nvSpPr>
-          <p:cNvPr id="41" name="Rectangle 40"/>
-          <p:cNvSpPr/>
-          <p:nvPr/>
-        </p:nvSpPr>
-        <p:spPr>
-          <a:xfrm>
-            <a:off x="6132964" y="2534219"/>
-            <a:ext cx="3762403" cy="1006830"/>
-          </a:xfrm>
-          <a:prstGeom prst="rect">
-            <a:avLst/>
-          </a:prstGeom>
-          <a:noFill/>
-          <a:ln w="28575">
-            <a:prstDash val="sysDash"/>
-          </a:ln>
-        </p:spPr>
-        <p:style>
-          <a:lnRef idx="2">
-            <a:schemeClr val="accent1">
-              <a:shade val="50000"/>
-            </a:schemeClr>
-          </a:lnRef>
-          <a:fillRef idx="1">
-            <a:schemeClr val="accent1"/>
-          </a:fillRef>
-          <a:effectRef idx="0">
-            <a:schemeClr val="accent1"/>
-          </a:effectRef>
-          <a:fontRef idx="minor">
-            <a:schemeClr val="lt1"/>
-          </a:fontRef>
-        </p:style>
-        <p:txBody>
-          <a:bodyPr rtlCol="0" anchor="ctr"/>
-          <a:lstStyle/>
-          <a:p>
-            <a:pPr algn="ctr"/>
-            <a:endParaRPr lang="en-US"/>
-          </a:p>
-        </p:txBody>
-      </p:sp>
-      <p:cxnSp>
-        <p:nvCxnSpPr>
-          <p:cNvPr id="42" name="Straight Arrow Connector 41"/>
-          <p:cNvCxnSpPr/>
-          <p:nvPr/>
-        </p:nvCxnSpPr>
-        <p:spPr>
-          <a:xfrm flipH="1">
-            <a:off x="6344094" y="3659552"/>
-            <a:ext cx="1279597" cy="306436"/>
-          </a:xfrm>
-          <a:prstGeom prst="straightConnector1">
-            <a:avLst/>
-          </a:prstGeom>
-          <a:ln w="28575">
-            <a:solidFill>
-              <a:srgbClr val="00B0F0"/>
-            </a:solidFill>
-            <a:prstDash val="solid"/>
-            <a:tailEnd type="triangle"/>
-          </a:ln>
-        </p:spPr>
-        <p:style>
-          <a:lnRef idx="1">
-            <a:schemeClr val="accent1"/>
-          </a:lnRef>
-          <a:fillRef idx="0">
-            <a:schemeClr val="accent1"/>
-          </a:fillRef>
-          <a:effectRef idx="0">
-            <a:schemeClr val="accent1"/>
-          </a:effectRef>
-          <a:fontRef idx="minor">
-            <a:schemeClr val="tx1"/>
-          </a:fontRef>
-        </p:style>
-      </p:cxnSp>
-      <p:cxnSp>
-        <p:nvCxnSpPr>
-          <p:cNvPr id="43" name="Straight Arrow Connector 42"/>
-          <p:cNvCxnSpPr/>
-          <p:nvPr/>
-        </p:nvCxnSpPr>
-        <p:spPr>
-          <a:xfrm>
-            <a:off x="7947817" y="3602433"/>
-            <a:ext cx="63934" cy="414558"/>
-          </a:xfrm>
-          <a:prstGeom prst="straightConnector1">
-            <a:avLst/>
-          </a:prstGeom>
-          <a:ln w="28575">
-            <a:solidFill>
-              <a:srgbClr val="00B0F0"/>
-            </a:solidFill>
-            <a:prstDash val="solid"/>
-            <a:tailEnd type="triangle"/>
-          </a:ln>
-        </p:spPr>
-        <p:style>
-          <a:lnRef idx="1">
-            <a:schemeClr val="accent1"/>
-          </a:lnRef>
-          <a:fillRef idx="0">
-            <a:schemeClr val="accent1"/>
-          </a:fillRef>
-          <a:effectRef idx="0">
-            <a:schemeClr val="accent1"/>
-          </a:effectRef>
-          <a:fontRef idx="minor">
-            <a:schemeClr val="tx1"/>
-          </a:fontRef>
-        </p:style>
-      </p:cxnSp>
-      <p:cxnSp>
-        <p:nvCxnSpPr>
-          <p:cNvPr id="44" name="Straight Arrow Connector 43"/>
-          <p:cNvCxnSpPr/>
-          <p:nvPr/>
-        </p:nvCxnSpPr>
-        <p:spPr>
-          <a:xfrm>
-            <a:off x="8253832" y="3631308"/>
-            <a:ext cx="1577163" cy="385683"/>
-          </a:xfrm>
-          <a:prstGeom prst="straightConnector1">
-            <a:avLst/>
-          </a:prstGeom>
-          <a:ln w="28575">
-            <a:solidFill>
-              <a:srgbClr val="00B0F0"/>
-            </a:solidFill>
-            <a:prstDash val="solid"/>
-            <a:tailEnd type="triangle"/>
-          </a:ln>
-        </p:spPr>
-        <p:style>
-          <a:lnRef idx="1">
-            <a:schemeClr val="accent1"/>
-          </a:lnRef>
-          <a:fillRef idx="0">
-            <a:schemeClr val="accent1"/>
-          </a:fillRef>
-          <a:effectRef idx="0">
-            <a:schemeClr val="accent1"/>
-          </a:effectRef>
-          <a:fontRef idx="minor">
-            <a:schemeClr val="tx1"/>
-          </a:fontRef>
-        </p:style>
-      </p:cxnSp>
-      <p:pic>
-        <p:nvPicPr>
-          <p:cNvPr id="47" name="Picture 46"/>
-          <p:cNvPicPr>
-            <a:picLocks noChangeAspect="1"/>
-          </p:cNvPicPr>
-          <p:nvPr/>
-        </p:nvPicPr>
-        <p:blipFill>
-          <a:blip r:embed="rId10" cstate="print">
-            <a:biLevel thresh="25000"/>
-            <a:extLst>
-              <a:ext uri="{28A0092B-C50C-407E-A947-70E740481C1C}">
-                <a14:useLocalDpi xmlns:a14="http://schemas.microsoft.com/office/drawing/2010/main" val="0"/>
-              </a:ext>
-            </a:extLst>
-          </a:blip>
-          <a:stretch>
-            <a:fillRect/>
-          </a:stretch>
-        </p:blipFill>
-        <p:spPr>
-          <a:xfrm flipH="1">
-            <a:off x="8472005" y="5421353"/>
-            <a:ext cx="552499" cy="552499"/>
-          </a:xfrm>
-          <a:prstGeom prst="rect">
-            <a:avLst/>
-          </a:prstGeom>
-          <a:solidFill>
-            <a:srgbClr val="1D4380"/>
-          </a:solidFill>
-        </p:spPr>
-      </p:pic>
-      <p:pic>
-        <p:nvPicPr>
-          <p:cNvPr id="48" name="Picture 47"/>
-          <p:cNvPicPr>
-            <a:picLocks noChangeAspect="1"/>
-          </p:cNvPicPr>
-          <p:nvPr/>
-        </p:nvPicPr>
-        <p:blipFill>
-          <a:blip r:embed="rId11" cstate="print">
-            <a:biLevel thresh="25000"/>
-            <a:extLst>
-              <a:ext uri="{28A0092B-C50C-407E-A947-70E740481C1C}">
-                <a14:useLocalDpi xmlns:a14="http://schemas.microsoft.com/office/drawing/2010/main" val="0"/>
-              </a:ext>
-            </a:extLst>
-          </a:blip>
-          <a:stretch>
-            <a:fillRect/>
-          </a:stretch>
-        </p:blipFill>
-        <p:spPr>
-          <a:xfrm>
-            <a:off x="9935460" y="5443658"/>
-            <a:ext cx="534066" cy="534066"/>
-          </a:xfrm>
-          <a:prstGeom prst="rect">
-            <a:avLst/>
-          </a:prstGeom>
-          <a:solidFill>
-            <a:srgbClr val="1D4380"/>
-          </a:solidFill>
-        </p:spPr>
-      </p:pic>
-      <p:pic>
-        <p:nvPicPr>
-          <p:cNvPr id="49" name="Picture 48"/>
-          <p:cNvPicPr>
-            <a:picLocks noChangeAspect="1"/>
-          </p:cNvPicPr>
-          <p:nvPr/>
-        </p:nvPicPr>
-        <p:blipFill>
-          <a:blip r:embed="rId12" cstate="print">
-            <a:biLevel thresh="25000"/>
-            <a:extLst>
-              <a:ext uri="{28A0092B-C50C-407E-A947-70E740481C1C}">
-                <a14:useLocalDpi xmlns:a14="http://schemas.microsoft.com/office/drawing/2010/main" val="0"/>
-              </a:ext>
-            </a:extLst>
-          </a:blip>
-          <a:stretch>
-            <a:fillRect/>
-          </a:stretch>
-        </p:blipFill>
-        <p:spPr>
-          <a:xfrm>
-            <a:off x="9203733" y="5428792"/>
-            <a:ext cx="549868" cy="549868"/>
-          </a:xfrm>
-          <a:prstGeom prst="rect">
-            <a:avLst/>
-          </a:prstGeom>
-          <a:solidFill>
-            <a:srgbClr val="1D4380"/>
-          </a:solidFill>
-        </p:spPr>
-      </p:pic>
-      <p:sp>
-        <p:nvSpPr>
-          <p:cNvPr id="50" name="Rectangle 49"/>
-          <p:cNvSpPr/>
-          <p:nvPr/>
-        </p:nvSpPr>
-        <p:spPr>
-          <a:xfrm>
-            <a:off x="5643458" y="2314191"/>
-            <a:ext cx="4826067" cy="2486574"/>
-          </a:xfrm>
-          <a:prstGeom prst="rect">
-            <a:avLst/>
-          </a:prstGeom>
-          <a:noFill/>
-          <a:ln w="28575">
-            <a:solidFill>
-              <a:schemeClr val="accent2">
-                <a:lumMod val="75000"/>
-              </a:schemeClr>
-            </a:solidFill>
-            <a:prstDash val="sysDash"/>
-          </a:ln>
-        </p:spPr>
-        <p:style>
-          <a:lnRef idx="2">
-            <a:schemeClr val="accent1">
-              <a:shade val="50000"/>
-            </a:schemeClr>
-          </a:lnRef>
-          <a:fillRef idx="1">
-            <a:schemeClr val="accent1"/>
-          </a:fillRef>
-          <a:effectRef idx="0">
-            <a:schemeClr val="accent1"/>
-          </a:effectRef>
-          <a:fontRef idx="minor">
-            <a:schemeClr val="lt1"/>
-          </a:fontRef>
-        </p:style>
-        <p:txBody>
-          <a:bodyPr rtlCol="0" anchor="ctr"/>
-          <a:lstStyle/>
-          <a:p>
-            <a:pPr algn="ctr"/>
-            <a:endParaRPr lang="en-US"/>
-          </a:p>
-        </p:txBody>
-      </p:sp>
-      <p:sp>
-        <p:nvSpPr>
-          <p:cNvPr id="51" name="Rectangle 50"/>
-          <p:cNvSpPr/>
-          <p:nvPr/>
-        </p:nvSpPr>
-        <p:spPr>
-          <a:xfrm>
-            <a:off x="214625" y="175425"/>
-            <a:ext cx="373710" cy="298901"/>
-          </a:xfrm>
-          <a:prstGeom prst="rect">
-            <a:avLst/>
-          </a:prstGeom>
-          <a:noFill/>
-          <a:ln w="28575">
-            <a:prstDash val="sysDash"/>
-          </a:ln>
-        </p:spPr>
-        <p:style>
-          <a:lnRef idx="2">
-            <a:schemeClr val="accent1">
-              <a:shade val="50000"/>
-            </a:schemeClr>
-          </a:lnRef>
-          <a:fillRef idx="1">
-            <a:schemeClr val="accent1"/>
-          </a:fillRef>
-          <a:effectRef idx="0">
-            <a:schemeClr val="accent1"/>
-          </a:effectRef>
-          <a:fontRef idx="minor">
-            <a:schemeClr val="lt1"/>
-          </a:fontRef>
-        </p:style>
-        <p:txBody>
-          <a:bodyPr rtlCol="0" anchor="ctr"/>
-          <a:lstStyle/>
-          <a:p>
-            <a:pPr algn="ctr"/>
-            <a:endParaRPr lang="en-US"/>
-          </a:p>
-        </p:txBody>
-      </p:sp>
-      <p:sp>
-        <p:nvSpPr>
-          <p:cNvPr id="13" name="TextBox 12"/>
-          <p:cNvSpPr txBox="1"/>
-          <p:nvPr/>
-        </p:nvSpPr>
-        <p:spPr>
-          <a:xfrm>
-            <a:off x="619128" y="140209"/>
-            <a:ext cx="1165704" cy="369332"/>
-          </a:xfrm>
-          <a:prstGeom prst="rect">
-            <a:avLst/>
-          </a:prstGeom>
-          <a:noFill/>
-        </p:spPr>
-        <p:txBody>
-          <a:bodyPr wrap="none" rtlCol="0">
-            <a:spAutoFit/>
-          </a:bodyPr>
-          <a:lstStyle/>
-          <a:p>
-            <a:r>
-              <a:rPr lang="en-US" dirty="0" smtClean="0"/>
-              <a:t>Scale unit</a:t>
-            </a:r>
-            <a:endParaRPr lang="en-US" dirty="0"/>
-          </a:p>
-        </p:txBody>
-      </p:sp>
-      <p:sp>
-        <p:nvSpPr>
-          <p:cNvPr id="53" name="Rectangle 52"/>
-          <p:cNvSpPr/>
-          <p:nvPr/>
-        </p:nvSpPr>
-        <p:spPr>
-          <a:xfrm>
-            <a:off x="216148" y="599549"/>
-            <a:ext cx="372188" cy="286498"/>
-          </a:xfrm>
-          <a:prstGeom prst="rect">
-            <a:avLst/>
-          </a:prstGeom>
-          <a:noFill/>
-          <a:ln w="28575">
-            <a:solidFill>
-              <a:schemeClr val="accent2">
-                <a:lumMod val="75000"/>
-              </a:schemeClr>
-            </a:solidFill>
-            <a:prstDash val="sysDash"/>
-          </a:ln>
-        </p:spPr>
-        <p:style>
-          <a:lnRef idx="2">
-            <a:schemeClr val="accent1">
-              <a:shade val="50000"/>
-            </a:schemeClr>
-          </a:lnRef>
-          <a:fillRef idx="1">
-            <a:schemeClr val="accent1"/>
-          </a:fillRef>
-          <a:effectRef idx="0">
-            <a:schemeClr val="accent1"/>
-          </a:effectRef>
-          <a:fontRef idx="minor">
-            <a:schemeClr val="lt1"/>
-          </a:fontRef>
-        </p:style>
-        <p:txBody>
-          <a:bodyPr rtlCol="0" anchor="ctr"/>
-          <a:lstStyle/>
-          <a:p>
-            <a:pPr algn="ctr"/>
-            <a:endParaRPr lang="en-US"/>
-          </a:p>
-        </p:txBody>
-      </p:sp>
-      <p:sp>
-        <p:nvSpPr>
-          <p:cNvPr id="54" name="TextBox 53"/>
-          <p:cNvSpPr txBox="1"/>
-          <p:nvPr/>
-        </p:nvSpPr>
-        <p:spPr>
-          <a:xfrm>
-            <a:off x="632289" y="535432"/>
-            <a:ext cx="477951" cy="369332"/>
-          </a:xfrm>
-          <a:prstGeom prst="rect">
-            <a:avLst/>
-          </a:prstGeom>
-          <a:noFill/>
-        </p:spPr>
-        <p:txBody>
-          <a:bodyPr wrap="none" rtlCol="0">
-            <a:spAutoFit/>
-          </a:bodyPr>
-          <a:lstStyle/>
-          <a:p>
-            <a:r>
-              <a:rPr lang="en-US" dirty="0" smtClean="0"/>
-              <a:t>RG</a:t>
-            </a:r>
-            <a:endParaRPr lang="en-US" dirty="0"/>
-          </a:p>
-        </p:txBody>
-      </p:sp>
-      <p:sp>
-        <p:nvSpPr>
-          <p:cNvPr id="55" name="Rectangle 54"/>
-          <p:cNvSpPr/>
-          <p:nvPr/>
-        </p:nvSpPr>
-        <p:spPr>
-          <a:xfrm rot="16200000">
-            <a:off x="2998907" y="3448533"/>
-            <a:ext cx="2546281" cy="365548"/>
-          </a:xfrm>
-          <a:prstGeom prst="rect">
-            <a:avLst/>
-          </a:prstGeom>
-          <a:solidFill>
-            <a:schemeClr val="accent1">
-              <a:lumMod val="75000"/>
-            </a:schemeClr>
-          </a:solidFill>
-        </p:spPr>
-        <p:style>
-          <a:lnRef idx="2">
-            <a:schemeClr val="accent1">
-              <a:shade val="50000"/>
-            </a:schemeClr>
-          </a:lnRef>
-          <a:fillRef idx="1">
-            <a:schemeClr val="accent1"/>
-          </a:fillRef>
-          <a:effectRef idx="0">
-            <a:schemeClr val="accent1"/>
-          </a:effectRef>
-          <a:fontRef idx="minor">
-            <a:schemeClr val="lt1"/>
-          </a:fontRef>
-        </p:style>
-        <p:txBody>
-          <a:bodyPr rtlCol="0" anchor="ctr"/>
-          <a:lstStyle/>
-          <a:p>
-            <a:pPr algn="ctr"/>
-            <a:r>
-              <a:rPr lang="en-US" dirty="0" smtClean="0">
-                <a:solidFill>
-                  <a:prstClr val="white"/>
-                </a:solidFill>
-              </a:rPr>
-              <a:t>Feed/Gallery</a:t>
-            </a:r>
-            <a:endParaRPr lang="en-US" dirty="0">
-              <a:solidFill>
-                <a:prstClr val="white"/>
-              </a:solidFill>
-            </a:endParaRPr>
-          </a:p>
-        </p:txBody>
-      </p:sp>
-      <p:cxnSp>
-        <p:nvCxnSpPr>
-          <p:cNvPr id="56" name="Straight Arrow Connector 55"/>
-          <p:cNvCxnSpPr/>
-          <p:nvPr/>
-        </p:nvCxnSpPr>
-        <p:spPr>
-          <a:xfrm>
-            <a:off x="5061098" y="3541049"/>
-            <a:ext cx="492880" cy="0"/>
-          </a:xfrm>
-          <a:prstGeom prst="straightConnector1">
-            <a:avLst/>
-          </a:prstGeom>
-          <a:ln w="28575">
-            <a:solidFill>
-              <a:srgbClr val="00B0F0"/>
-            </a:solidFill>
-            <a:prstDash val="solid"/>
-            <a:tailEnd type="triangle"/>
-          </a:ln>
-        </p:spPr>
-        <p:style>
-          <a:lnRef idx="1">
-            <a:schemeClr val="accent1"/>
-          </a:lnRef>
-          <a:fillRef idx="0">
-            <a:schemeClr val="accent1"/>
-          </a:fillRef>
-          <a:effectRef idx="0">
-            <a:schemeClr val="accent1"/>
-          </a:effectRef>
-          <a:fontRef idx="minor">
-            <a:schemeClr val="tx1"/>
-          </a:fontRef>
-        </p:style>
-      </p:cxnSp>
-      <p:pic>
-        <p:nvPicPr>
-          <p:cNvPr id="65" name="Picture 64"/>
-          <p:cNvPicPr>
-            <a:picLocks noChangeAspect="1"/>
-          </p:cNvPicPr>
-          <p:nvPr/>
-        </p:nvPicPr>
-        <p:blipFill>
-          <a:blip r:embed="rId13">
-            <a:biLevel thresh="25000"/>
-          </a:blip>
-          <a:stretch>
-            <a:fillRect/>
-          </a:stretch>
-        </p:blipFill>
-        <p:spPr>
-          <a:xfrm>
-            <a:off x="1409557" y="3928116"/>
-            <a:ext cx="350967" cy="348674"/>
-          </a:xfrm>
-          <a:prstGeom prst="rect">
-            <a:avLst/>
-          </a:prstGeom>
-        </p:spPr>
-      </p:pic>
-      <p:sp>
-        <p:nvSpPr>
-          <p:cNvPr id="67" name="TextBox 66"/>
-          <p:cNvSpPr txBox="1"/>
-          <p:nvPr/>
-        </p:nvSpPr>
-        <p:spPr>
-          <a:xfrm>
-            <a:off x="1239672" y="4360482"/>
-            <a:ext cx="665567" cy="276999"/>
-          </a:xfrm>
-          <a:prstGeom prst="rect">
-            <a:avLst/>
-          </a:prstGeom>
-          <a:noFill/>
-        </p:spPr>
-        <p:txBody>
-          <a:bodyPr wrap="none" rtlCol="0">
-            <a:spAutoFit/>
-          </a:bodyPr>
-          <a:lstStyle/>
-          <a:p>
-            <a:r>
-              <a:rPr lang="en-US" sz="1200" dirty="0" err="1">
-                <a:solidFill>
-                  <a:prstClr val="white"/>
-                </a:solidFill>
-              </a:rPr>
-              <a:t>GitHub</a:t>
-            </a:r>
-            <a:endParaRPr lang="en-US" dirty="0">
-              <a:solidFill>
-                <a:prstClr val="white"/>
-              </a:solidFill>
-            </a:endParaRPr>
-          </a:p>
-        </p:txBody>
-      </p:sp>
-      <p:pic>
-        <p:nvPicPr>
-          <p:cNvPr id="71" name="Picture 70"/>
-          <p:cNvPicPr>
-            <a:picLocks noChangeAspect="1"/>
-          </p:cNvPicPr>
-          <p:nvPr/>
-        </p:nvPicPr>
-        <p:blipFill>
-          <a:blip r:embed="rId14">
-            <a:biLevel thresh="25000"/>
-          </a:blip>
-          <a:stretch>
-            <a:fillRect/>
-          </a:stretch>
-        </p:blipFill>
-        <p:spPr>
-          <a:xfrm>
-            <a:off x="1451731" y="3141726"/>
-            <a:ext cx="308793" cy="306775"/>
-          </a:xfrm>
-          <a:prstGeom prst="rect">
-            <a:avLst/>
-          </a:prstGeom>
-        </p:spPr>
-      </p:pic>
-      <p:sp>
-        <p:nvSpPr>
-          <p:cNvPr id="72" name="TextBox 71"/>
-          <p:cNvSpPr txBox="1"/>
-          <p:nvPr/>
-        </p:nvSpPr>
-        <p:spPr>
-          <a:xfrm>
-            <a:off x="1059092" y="3504105"/>
-            <a:ext cx="1061381" cy="276999"/>
-          </a:xfrm>
-          <a:prstGeom prst="rect">
-            <a:avLst/>
-          </a:prstGeom>
-          <a:noFill/>
-        </p:spPr>
-        <p:txBody>
-          <a:bodyPr wrap="none" rtlCol="0">
-            <a:spAutoFit/>
-          </a:bodyPr>
-          <a:lstStyle/>
-          <a:p>
-            <a:r>
-              <a:rPr lang="en-US" sz="1200" dirty="0">
-                <a:solidFill>
-                  <a:prstClr val="white"/>
-                </a:solidFill>
-              </a:rPr>
-              <a:t>Visual </a:t>
-            </a:r>
-            <a:r>
-              <a:rPr lang="en-US" sz="1200" dirty="0" smtClean="0">
-                <a:solidFill>
-                  <a:prstClr val="white"/>
-                </a:solidFill>
-              </a:rPr>
-              <a:t>Studio</a:t>
-            </a:r>
-            <a:endParaRPr lang="en-US" sz="1200" dirty="0">
-              <a:solidFill>
-                <a:prstClr val="white"/>
-              </a:solidFill>
-            </a:endParaRPr>
-          </a:p>
-        </p:txBody>
-      </p:sp>
-      <p:pic>
-        <p:nvPicPr>
-          <p:cNvPr id="73" name="Picture 72"/>
-          <p:cNvPicPr>
-            <a:picLocks noChangeAspect="1"/>
-          </p:cNvPicPr>
-          <p:nvPr/>
-        </p:nvPicPr>
-        <p:blipFill>
-          <a:blip r:embed="rId15">
-            <a:biLevel thresh="25000"/>
-          </a:blip>
-          <a:stretch>
-            <a:fillRect/>
-          </a:stretch>
-        </p:blipFill>
-        <p:spPr>
-          <a:xfrm>
-            <a:off x="1384388" y="2347380"/>
-            <a:ext cx="376136" cy="373677"/>
-          </a:xfrm>
-          <a:prstGeom prst="rect">
-            <a:avLst/>
-          </a:prstGeom>
-        </p:spPr>
-      </p:pic>
-      <p:sp>
-        <p:nvSpPr>
-          <p:cNvPr id="74" name="TextBox 73"/>
-          <p:cNvSpPr txBox="1"/>
-          <p:nvPr/>
-        </p:nvSpPr>
-        <p:spPr>
-          <a:xfrm>
-            <a:off x="1399667" y="2723353"/>
-            <a:ext cx="380232" cy="276999"/>
-          </a:xfrm>
-          <a:prstGeom prst="rect">
-            <a:avLst/>
-          </a:prstGeom>
-          <a:noFill/>
-        </p:spPr>
-        <p:txBody>
-          <a:bodyPr wrap="none" rtlCol="0">
-            <a:spAutoFit/>
-          </a:bodyPr>
-          <a:lstStyle/>
-          <a:p>
-            <a:r>
-              <a:rPr lang="en-US" sz="1200" dirty="0" err="1">
-                <a:solidFill>
-                  <a:prstClr val="white"/>
-                </a:solidFill>
-              </a:rPr>
-              <a:t>Git</a:t>
-            </a:r>
-            <a:endParaRPr lang="en-US" sz="1600" dirty="0">
-              <a:solidFill>
-                <a:prstClr val="white"/>
-              </a:solidFill>
-            </a:endParaRPr>
-          </a:p>
-        </p:txBody>
-      </p:sp>
-      <p:cxnSp>
-        <p:nvCxnSpPr>
-          <p:cNvPr id="75" name="Straight Arrow Connector 74"/>
-          <p:cNvCxnSpPr/>
-          <p:nvPr/>
-        </p:nvCxnSpPr>
-        <p:spPr>
-          <a:xfrm>
-            <a:off x="1905239" y="2592523"/>
-            <a:ext cx="2071338" cy="795719"/>
-          </a:xfrm>
-          <a:prstGeom prst="straightConnector1">
-            <a:avLst/>
-          </a:prstGeom>
-          <a:ln w="28575">
-            <a:solidFill>
-              <a:srgbClr val="00B0F0"/>
-            </a:solidFill>
-            <a:prstDash val="solid"/>
-            <a:tailEnd type="triangle"/>
-          </a:ln>
-        </p:spPr>
-        <p:style>
-          <a:lnRef idx="1">
-            <a:schemeClr val="accent1"/>
-          </a:lnRef>
-          <a:fillRef idx="0">
-            <a:schemeClr val="accent1"/>
-          </a:fillRef>
-          <a:effectRef idx="0">
-            <a:schemeClr val="accent1"/>
-          </a:effectRef>
-          <a:fontRef idx="minor">
-            <a:schemeClr val="tx1"/>
-          </a:fontRef>
-        </p:style>
-      </p:cxnSp>
-      <p:cxnSp>
-        <p:nvCxnSpPr>
-          <p:cNvPr id="89" name="Straight Arrow Connector 88"/>
-          <p:cNvCxnSpPr/>
-          <p:nvPr/>
-        </p:nvCxnSpPr>
-        <p:spPr>
-          <a:xfrm>
-            <a:off x="2120473" y="3557478"/>
-            <a:ext cx="1799397" cy="0"/>
-          </a:xfrm>
-          <a:prstGeom prst="straightConnector1">
-            <a:avLst/>
-          </a:prstGeom>
-          <a:ln w="28575">
-            <a:solidFill>
-              <a:srgbClr val="00B0F0"/>
-            </a:solidFill>
-            <a:prstDash val="solid"/>
-            <a:tailEnd type="triangle"/>
-          </a:ln>
-        </p:spPr>
-        <p:style>
-          <a:lnRef idx="1">
-            <a:schemeClr val="accent1"/>
-          </a:lnRef>
-          <a:fillRef idx="0">
-            <a:schemeClr val="accent1"/>
-          </a:fillRef>
-          <a:effectRef idx="0">
-            <a:schemeClr val="accent1"/>
-          </a:effectRef>
-          <a:fontRef idx="minor">
-            <a:schemeClr val="tx1"/>
-          </a:fontRef>
-        </p:style>
-      </p:cxnSp>
-      <p:cxnSp>
-        <p:nvCxnSpPr>
-          <p:cNvPr id="90" name="Straight Arrow Connector 89"/>
-          <p:cNvCxnSpPr/>
-          <p:nvPr/>
-        </p:nvCxnSpPr>
-        <p:spPr>
-          <a:xfrm flipV="1">
-            <a:off x="1905239" y="3781104"/>
-            <a:ext cx="2071338" cy="411766"/>
-          </a:xfrm>
-          <a:prstGeom prst="straightConnector1">
-            <a:avLst/>
-          </a:prstGeom>
-          <a:ln w="28575">
-            <a:solidFill>
-              <a:srgbClr val="00B0F0"/>
-            </a:solidFill>
-            <a:prstDash val="solid"/>
-            <a:tailEnd type="triangle"/>
-          </a:ln>
-        </p:spPr>
-        <p:style>
-          <a:lnRef idx="1">
-            <a:schemeClr val="accent1"/>
-          </a:lnRef>
-          <a:fillRef idx="0">
-            <a:schemeClr val="accent1"/>
-          </a:fillRef>
-          <a:effectRef idx="0">
-            <a:schemeClr val="accent1"/>
-          </a:effectRef>
-          <a:fontRef idx="minor">
-            <a:schemeClr val="tx1"/>
-          </a:fontRef>
-        </p:style>
-      </p:cxnSp>
-      <p:pic>
-        <p:nvPicPr>
-          <p:cNvPr id="91" name="Picture 90"/>
-          <p:cNvPicPr>
-            <a:picLocks noChangeAspect="1"/>
-          </p:cNvPicPr>
-          <p:nvPr/>
-        </p:nvPicPr>
-        <p:blipFill>
-          <a:blip r:embed="rId16">
-            <a:biLevel thresh="25000"/>
-          </a:blip>
-          <a:stretch>
-            <a:fillRect/>
-          </a:stretch>
-        </p:blipFill>
-        <p:spPr>
-          <a:xfrm>
-            <a:off x="1376271" y="4716390"/>
-            <a:ext cx="355139" cy="352817"/>
-          </a:xfrm>
-          <a:prstGeom prst="rect">
-            <a:avLst/>
-          </a:prstGeom>
-        </p:spPr>
-      </p:pic>
-      <p:sp>
-        <p:nvSpPr>
-          <p:cNvPr id="92" name="TextBox 91"/>
-          <p:cNvSpPr txBox="1"/>
-          <p:nvPr/>
-        </p:nvSpPr>
-        <p:spPr>
-          <a:xfrm>
-            <a:off x="1263376" y="5138091"/>
-            <a:ext cx="580928" cy="276999"/>
-          </a:xfrm>
-          <a:prstGeom prst="rect">
-            <a:avLst/>
-          </a:prstGeom>
-          <a:noFill/>
-        </p:spPr>
-        <p:txBody>
-          <a:bodyPr wrap="none" rtlCol="0">
-            <a:spAutoFit/>
-          </a:bodyPr>
-          <a:lstStyle/>
-          <a:p>
-            <a:r>
-              <a:rPr lang="en-US" sz="1200" dirty="0" smtClean="0">
-                <a:solidFill>
-                  <a:prstClr val="white"/>
-                </a:solidFill>
-              </a:rPr>
-              <a:t>Portal</a:t>
-            </a:r>
-            <a:endParaRPr lang="en-US" dirty="0">
-              <a:solidFill>
-                <a:prstClr val="white"/>
-              </a:solidFill>
-            </a:endParaRPr>
-          </a:p>
-        </p:txBody>
-      </p:sp>
-      <p:cxnSp>
-        <p:nvCxnSpPr>
-          <p:cNvPr id="93" name="Straight Arrow Connector 92"/>
-          <p:cNvCxnSpPr/>
-          <p:nvPr/>
-        </p:nvCxnSpPr>
-        <p:spPr>
-          <a:xfrm flipV="1">
-            <a:off x="1823963" y="3948716"/>
-            <a:ext cx="2169006" cy="950647"/>
-          </a:xfrm>
-          <a:prstGeom prst="straightConnector1">
-            <a:avLst/>
-          </a:prstGeom>
-          <a:ln w="28575">
-            <a:solidFill>
-              <a:srgbClr val="00B0F0"/>
-            </a:solidFill>
-            <a:prstDash val="solid"/>
-            <a:tailEnd type="triangle"/>
-          </a:ln>
-        </p:spPr>
-        <p:style>
-          <a:lnRef idx="1">
-            <a:schemeClr val="accent1"/>
-          </a:lnRef>
-          <a:fillRef idx="0">
-            <a:schemeClr val="accent1"/>
-          </a:fillRef>
-          <a:effectRef idx="0">
-            <a:schemeClr val="accent1"/>
-          </a:effectRef>
-          <a:fontRef idx="minor">
-            <a:schemeClr val="tx1"/>
-          </a:fontRef>
-        </p:style>
-      </p:cxnSp>
-      <p:sp>
-        <p:nvSpPr>
-          <p:cNvPr id="99" name="Rectangle 98"/>
-          <p:cNvSpPr/>
-          <p:nvPr/>
-        </p:nvSpPr>
-        <p:spPr>
-          <a:xfrm rot="16200000">
-            <a:off x="4097860" y="2809421"/>
-            <a:ext cx="1278226" cy="365548"/>
-          </a:xfrm>
-          <a:prstGeom prst="rect">
-            <a:avLst/>
-          </a:prstGeom>
-        </p:spPr>
-        <p:style>
-          <a:lnRef idx="2">
-            <a:schemeClr val="accent3">
-              <a:shade val="50000"/>
-            </a:schemeClr>
-          </a:lnRef>
-          <a:fillRef idx="1">
-            <a:schemeClr val="accent3"/>
-          </a:fillRef>
-          <a:effectRef idx="0">
-            <a:schemeClr val="accent3"/>
-          </a:effectRef>
-          <a:fontRef idx="minor">
-            <a:schemeClr val="lt1"/>
-          </a:fontRef>
-        </p:style>
-        <p:txBody>
-          <a:bodyPr rtlCol="0" anchor="ctr"/>
-          <a:lstStyle/>
-          <a:p>
-            <a:pPr algn="ctr"/>
-            <a:r>
-              <a:rPr lang="en-US" dirty="0" smtClean="0">
-                <a:solidFill>
-                  <a:prstClr val="white"/>
-                </a:solidFill>
-              </a:rPr>
-              <a:t>Private</a:t>
-            </a:r>
-            <a:endParaRPr lang="en-US" dirty="0">
-              <a:solidFill>
-                <a:prstClr val="white"/>
-              </a:solidFill>
-            </a:endParaRPr>
-          </a:p>
-        </p:txBody>
-      </p:sp>
-      <p:sp>
-        <p:nvSpPr>
-          <p:cNvPr id="100" name="Rectangle 99"/>
-          <p:cNvSpPr/>
-          <p:nvPr/>
-        </p:nvSpPr>
-        <p:spPr>
-          <a:xfrm rot="16200000">
-            <a:off x="4127799" y="4136336"/>
-            <a:ext cx="1218350" cy="365548"/>
-          </a:xfrm>
-          <a:prstGeom prst="rect">
-            <a:avLst/>
-          </a:prstGeom>
-        </p:spPr>
-        <p:style>
-          <a:lnRef idx="2">
-            <a:schemeClr val="accent5">
-              <a:shade val="50000"/>
-            </a:schemeClr>
-          </a:lnRef>
-          <a:fillRef idx="1">
-            <a:schemeClr val="accent5"/>
-          </a:fillRef>
-          <a:effectRef idx="0">
-            <a:schemeClr val="accent5"/>
-          </a:effectRef>
-          <a:fontRef idx="minor">
-            <a:schemeClr val="lt1"/>
-          </a:fontRef>
-        </p:style>
-        <p:txBody>
-          <a:bodyPr rtlCol="0" anchor="ctr"/>
-          <a:lstStyle/>
-          <a:p>
-            <a:pPr algn="ctr"/>
-            <a:r>
-              <a:rPr lang="en-US" dirty="0" smtClean="0">
-                <a:solidFill>
-                  <a:prstClr val="white"/>
-                </a:solidFill>
-              </a:rPr>
-              <a:t>Public</a:t>
-            </a:r>
-            <a:endParaRPr lang="en-US" dirty="0">
-              <a:solidFill>
-                <a:prstClr val="white"/>
-              </a:solidFill>
-            </a:endParaRPr>
-          </a:p>
-        </p:txBody>
-      </p:sp>
-    </p:spTree>
-    <p:extLst>
-      <p:ext uri="{BB962C8B-B14F-4D97-AF65-F5344CB8AC3E}">
-        <p14:creationId xmlns:p14="http://schemas.microsoft.com/office/powerpoint/2010/main" val="554853110"/>
-      </p:ext>
-    </p:extLst>
-  </p:cSld>
-  <p:clrMapOvr>
-    <a:masterClrMapping/>
-  </p:clrMapOvr>
-  <p:transition spd="slow">
-    <p:cover/>
-  </p:transition>
-  <p:timing>
-    <p:tnLst>
-      <p:par>
-        <p:cTn id="1" dur="indefinite" restart="never" nodeType="tmRoot"/>
       </p:par>
     </p:tnLst>
   </p:timing>
@@ -18522,12 +17116,12 @@
       </p:grpSpPr>
       <p:sp>
         <p:nvSpPr>
-          <p:cNvPr id="6" name="Title 5"/>
+          <p:cNvPr id="4" name="Slide Number Placeholder 3"/>
           <p:cNvSpPr>
             <a:spLocks noGrp="1"/>
           </p:cNvSpPr>
           <p:nvPr>
-            <p:ph type="title"/>
+            <p:ph type="sldNum" sz="quarter" idx="12"/>
           </p:nvPr>
         </p:nvSpPr>
         <p:spPr/>
@@ -18535,66 +17129,1870 @@
           <a:bodyPr/>
           <a:lstStyle/>
           <a:p>
-            <a:r>
-              <a:rPr lang="en-US" dirty="0" smtClean="0"/>
-              <a:t>Next steps</a:t>
-            </a:r>
-            <a:endParaRPr lang="en-US" dirty="0"/>
+            <a:fld id="{0A164282-434E-41D4-9582-783D542A7B68}" type="slidenum">
+              <a:rPr lang="en-US" smtClean="0"/>
+              <a:pPr/>
+              <a:t>30</a:t>
+            </a:fld>
+            <a:endParaRPr lang="en-US"/>
+          </a:p>
+        </p:txBody>
+      </p:sp>
+      <p:pic>
+        <p:nvPicPr>
+          <p:cNvPr id="35" name="Picture 34"/>
+          <p:cNvPicPr>
+            <a:picLocks noChangeAspect="1"/>
+          </p:cNvPicPr>
+          <p:nvPr/>
+        </p:nvPicPr>
+        <p:blipFill>
+          <a:blip r:embed="rId3"/>
+          <a:stretch>
+            <a:fillRect/>
+          </a:stretch>
+        </p:blipFill>
+        <p:spPr>
+          <a:xfrm>
+            <a:off x="5901358" y="4181837"/>
+            <a:ext cx="572299" cy="467481"/>
+          </a:xfrm>
+          <a:prstGeom prst="rect">
+            <a:avLst/>
+          </a:prstGeom>
+        </p:spPr>
+      </p:pic>
+      <p:pic>
+        <p:nvPicPr>
+          <p:cNvPr id="36" name="Picture 35"/>
+          <p:cNvPicPr>
+            <a:picLocks noChangeAspect="1"/>
+          </p:cNvPicPr>
+          <p:nvPr/>
+        </p:nvPicPr>
+        <p:blipFill>
+          <a:blip r:embed="rId3">
+            <a:duotone>
+              <a:schemeClr val="accent4">
+                <a:shade val="45000"/>
+                <a:satMod val="135000"/>
+              </a:schemeClr>
+              <a:prstClr val="white"/>
+            </a:duotone>
+          </a:blip>
+          <a:stretch>
+            <a:fillRect/>
+          </a:stretch>
+        </p:blipFill>
+        <p:spPr>
+          <a:xfrm>
+            <a:off x="7759115" y="4176034"/>
+            <a:ext cx="572299" cy="467481"/>
+          </a:xfrm>
+          <a:prstGeom prst="rect">
+            <a:avLst/>
+          </a:prstGeom>
+        </p:spPr>
+      </p:pic>
+      <p:pic>
+        <p:nvPicPr>
+          <p:cNvPr id="38" name="Picture 37"/>
+          <p:cNvPicPr>
+            <a:picLocks noChangeAspect="1"/>
+          </p:cNvPicPr>
+          <p:nvPr/>
+        </p:nvPicPr>
+        <p:blipFill>
+          <a:blip r:embed="rId3">
+            <a:duotone>
+              <a:prstClr val="black"/>
+              <a:schemeClr val="accent6">
+                <a:tint val="45000"/>
+                <a:satMod val="400000"/>
+              </a:schemeClr>
+            </a:duotone>
+          </a:blip>
+          <a:stretch>
+            <a:fillRect/>
+          </a:stretch>
+        </p:blipFill>
+        <p:spPr>
+          <a:xfrm>
+            <a:off x="9699288" y="4176034"/>
+            <a:ext cx="572299" cy="467481"/>
+          </a:xfrm>
+          <a:prstGeom prst="rect">
+            <a:avLst/>
+          </a:prstGeom>
+        </p:spPr>
+      </p:pic>
+      <p:grpSp>
+        <p:nvGrpSpPr>
+          <p:cNvPr id="66" name="Group 65"/>
+          <p:cNvGrpSpPr/>
+          <p:nvPr/>
+        </p:nvGrpSpPr>
+        <p:grpSpPr>
+          <a:xfrm>
+            <a:off x="7695065" y="1517966"/>
+            <a:ext cx="776431" cy="736518"/>
+            <a:chOff x="532219" y="3319836"/>
+            <a:chExt cx="1127475" cy="1090524"/>
+          </a:xfrm>
+        </p:grpSpPr>
+        <p:sp>
+          <p:nvSpPr>
+            <p:cNvPr id="68" name="TextBox 67"/>
+            <p:cNvSpPr txBox="1"/>
+            <p:nvPr/>
+          </p:nvSpPr>
+          <p:spPr>
+            <a:xfrm>
+              <a:off x="532219" y="3863509"/>
+              <a:ext cx="1127475" cy="546851"/>
+            </a:xfrm>
+            <a:prstGeom prst="rect">
+              <a:avLst/>
+            </a:prstGeom>
+            <a:noFill/>
+          </p:spPr>
+          <p:txBody>
+            <a:bodyPr wrap="none" rtlCol="0">
+              <a:spAutoFit/>
+            </a:bodyPr>
+            <a:lstStyle/>
+            <a:p>
+              <a:pPr algn="ctr"/>
+              <a:r>
+                <a:rPr lang="en-US" dirty="0" smtClean="0">
+                  <a:solidFill>
+                    <a:prstClr val="white"/>
+                  </a:solidFill>
+                </a:rPr>
+                <a:t>AZ LB</a:t>
+              </a:r>
+              <a:endParaRPr lang="en-US" dirty="0">
+                <a:solidFill>
+                  <a:prstClr val="white"/>
+                </a:solidFill>
+              </a:endParaRPr>
+            </a:p>
+          </p:txBody>
+        </p:sp>
+        <p:grpSp>
+          <p:nvGrpSpPr>
+            <p:cNvPr id="69" name="Group 68"/>
+            <p:cNvGrpSpPr/>
+            <p:nvPr/>
+          </p:nvGrpSpPr>
+          <p:grpSpPr>
+            <a:xfrm>
+              <a:off x="625228" y="3319836"/>
+              <a:ext cx="941456" cy="493702"/>
+              <a:chOff x="729527" y="2180022"/>
+              <a:chExt cx="941456" cy="493702"/>
+            </a:xfrm>
+          </p:grpSpPr>
+          <p:sp>
+            <p:nvSpPr>
+              <p:cNvPr id="70" name="Trapezoid 69"/>
+              <p:cNvSpPr/>
+              <p:nvPr/>
+            </p:nvSpPr>
+            <p:spPr>
+              <a:xfrm>
+                <a:off x="729527" y="2180022"/>
+                <a:ext cx="941456" cy="493702"/>
+              </a:xfrm>
+              <a:prstGeom prst="trapezoid">
+                <a:avLst/>
+              </a:prstGeom>
+              <a:solidFill>
+                <a:schemeClr val="bg1"/>
+              </a:solidFill>
+              <a:ln>
+                <a:solidFill>
+                  <a:schemeClr val="bg1"/>
+                </a:solidFill>
+              </a:ln>
+            </p:spPr>
+            <p:style>
+              <a:lnRef idx="2">
+                <a:schemeClr val="accent1">
+                  <a:shade val="50000"/>
+                </a:schemeClr>
+              </a:lnRef>
+              <a:fillRef idx="1">
+                <a:schemeClr val="accent1"/>
+              </a:fillRef>
+              <a:effectRef idx="0">
+                <a:schemeClr val="accent1"/>
+              </a:effectRef>
+              <a:fontRef idx="minor">
+                <a:schemeClr val="lt1"/>
+              </a:fontRef>
+            </p:style>
+            <p:txBody>
+              <a:bodyPr rtlCol="0" anchor="ctr"/>
+              <a:lstStyle/>
+              <a:p>
+                <a:pPr algn="ctr"/>
+                <a:endParaRPr lang="en-US">
+                  <a:solidFill>
+                    <a:prstClr val="white"/>
+                  </a:solidFill>
+                </a:endParaRPr>
+              </a:p>
+            </p:txBody>
+          </p:sp>
+          <p:pic>
+            <p:nvPicPr>
+              <p:cNvPr id="76" name="Picture 75"/>
+              <p:cNvPicPr>
+                <a:picLocks noChangeAspect="1"/>
+              </p:cNvPicPr>
+              <p:nvPr/>
+            </p:nvPicPr>
+            <p:blipFill>
+              <a:blip r:embed="rId4">
+                <a:duotone>
+                  <a:prstClr val="black"/>
+                  <a:srgbClr val="1D4380">
+                    <a:tint val="45000"/>
+                    <a:satMod val="400000"/>
+                  </a:srgbClr>
+                </a:duotone>
+              </a:blip>
+              <a:stretch>
+                <a:fillRect/>
+              </a:stretch>
+            </p:blipFill>
+            <p:spPr>
+              <a:xfrm>
+                <a:off x="1034424" y="2234337"/>
+                <a:ext cx="331662" cy="439325"/>
+              </a:xfrm>
+              <a:prstGeom prst="rect">
+                <a:avLst/>
+              </a:prstGeom>
+            </p:spPr>
+          </p:pic>
+        </p:grpSp>
+      </p:grpSp>
+      <p:grpSp>
+        <p:nvGrpSpPr>
+          <p:cNvPr id="77" name="Group 76"/>
+          <p:cNvGrpSpPr/>
+          <p:nvPr/>
+        </p:nvGrpSpPr>
+        <p:grpSpPr>
+          <a:xfrm>
+            <a:off x="7475510" y="324876"/>
+            <a:ext cx="1225096" cy="476110"/>
+            <a:chOff x="144154" y="2312570"/>
+            <a:chExt cx="1801469" cy="614504"/>
+          </a:xfrm>
+        </p:grpSpPr>
+        <p:pic>
+          <p:nvPicPr>
+            <p:cNvPr id="78" name="Picture 77"/>
+            <p:cNvPicPr>
+              <a:picLocks noChangeAspect="1"/>
+            </p:cNvPicPr>
+            <p:nvPr/>
+          </p:nvPicPr>
+          <p:blipFill>
+            <a:blip r:embed="rId5">
+              <a:biLevel thresh="25000"/>
+            </a:blip>
+            <a:stretch>
+              <a:fillRect/>
+            </a:stretch>
+          </p:blipFill>
+          <p:spPr>
+            <a:xfrm>
+              <a:off x="144154" y="2312570"/>
+              <a:ext cx="435794" cy="614504"/>
+            </a:xfrm>
+            <a:prstGeom prst="rect">
+              <a:avLst/>
+            </a:prstGeom>
+          </p:spPr>
+        </p:pic>
+        <p:pic>
+          <p:nvPicPr>
+            <p:cNvPr id="79" name="Picture 78"/>
+            <p:cNvPicPr>
+              <a:picLocks noChangeAspect="1"/>
+            </p:cNvPicPr>
+            <p:nvPr/>
+          </p:nvPicPr>
+          <p:blipFill>
+            <a:blip r:embed="rId6">
+              <a:biLevel thresh="25000"/>
+            </a:blip>
+            <a:stretch>
+              <a:fillRect/>
+            </a:stretch>
+          </p:blipFill>
+          <p:spPr>
+            <a:xfrm>
+              <a:off x="1369250" y="2442108"/>
+              <a:ext cx="576373" cy="380566"/>
+            </a:xfrm>
+            <a:prstGeom prst="rect">
+              <a:avLst/>
+            </a:prstGeom>
+          </p:spPr>
+        </p:pic>
+        <p:pic>
+          <p:nvPicPr>
+            <p:cNvPr id="80" name="Picture 79"/>
+            <p:cNvPicPr>
+              <a:picLocks noChangeAspect="1"/>
+            </p:cNvPicPr>
+            <p:nvPr/>
+          </p:nvPicPr>
+          <p:blipFill>
+            <a:blip r:embed="rId7">
+              <a:biLevel thresh="25000"/>
+            </a:blip>
+            <a:stretch>
+              <a:fillRect/>
+            </a:stretch>
+          </p:blipFill>
+          <p:spPr>
+            <a:xfrm>
+              <a:off x="625228" y="2419998"/>
+              <a:ext cx="679390" cy="424786"/>
+            </a:xfrm>
+            <a:prstGeom prst="rect">
+              <a:avLst/>
+            </a:prstGeom>
+          </p:spPr>
+        </p:pic>
+      </p:grpSp>
+      <p:cxnSp>
+        <p:nvCxnSpPr>
+          <p:cNvPr id="81" name="Straight Arrow Connector 80"/>
+          <p:cNvCxnSpPr>
+            <a:endCxn id="70" idx="0"/>
+          </p:cNvCxnSpPr>
+          <p:nvPr/>
+        </p:nvCxnSpPr>
+        <p:spPr>
+          <a:xfrm flipH="1">
+            <a:off x="8083280" y="886047"/>
+            <a:ext cx="4553" cy="631920"/>
+          </a:xfrm>
+          <a:prstGeom prst="straightConnector1">
+            <a:avLst/>
+          </a:prstGeom>
+          <a:ln w="28575">
+            <a:solidFill>
+              <a:srgbClr val="00B0F0"/>
+            </a:solidFill>
+            <a:prstDash val="solid"/>
+            <a:tailEnd type="triangle"/>
+          </a:ln>
+        </p:spPr>
+        <p:style>
+          <a:lnRef idx="1">
+            <a:schemeClr val="accent1"/>
+          </a:lnRef>
+          <a:fillRef idx="0">
+            <a:schemeClr val="accent1"/>
+          </a:fillRef>
+          <a:effectRef idx="0">
+            <a:schemeClr val="accent1"/>
+          </a:effectRef>
+          <a:fontRef idx="minor">
+            <a:schemeClr val="tx1"/>
+          </a:fontRef>
+        </p:style>
+      </p:cxnSp>
+      <p:pic>
+        <p:nvPicPr>
+          <p:cNvPr id="83" name="Picture 82"/>
+          <p:cNvPicPr>
+            <a:picLocks noChangeAspect="1"/>
+          </p:cNvPicPr>
+          <p:nvPr/>
+        </p:nvPicPr>
+        <p:blipFill>
+          <a:blip r:embed="rId8">
+            <a:biLevel thresh="25000"/>
+          </a:blip>
+          <a:stretch>
+            <a:fillRect/>
+          </a:stretch>
+        </p:blipFill>
+        <p:spPr>
+          <a:xfrm>
+            <a:off x="5856365" y="5415090"/>
+            <a:ext cx="553200" cy="584665"/>
+          </a:xfrm>
+          <a:prstGeom prst="rect">
+            <a:avLst/>
+          </a:prstGeom>
+        </p:spPr>
+      </p:pic>
+      <p:pic>
+        <p:nvPicPr>
+          <p:cNvPr id="86" name="Picture 85"/>
+          <p:cNvPicPr>
+            <a:picLocks noChangeAspect="1"/>
+          </p:cNvPicPr>
+          <p:nvPr/>
+        </p:nvPicPr>
+        <p:blipFill>
+          <a:blip r:embed="rId9">
+            <a:biLevel thresh="25000"/>
+          </a:blip>
+          <a:stretch>
+            <a:fillRect/>
+          </a:stretch>
+        </p:blipFill>
+        <p:spPr>
+          <a:xfrm>
+            <a:off x="6681260" y="5415090"/>
+            <a:ext cx="605264" cy="527979"/>
+          </a:xfrm>
+          <a:prstGeom prst="rect">
+            <a:avLst/>
+          </a:prstGeom>
+        </p:spPr>
+      </p:pic>
+      <p:sp>
+        <p:nvSpPr>
+          <p:cNvPr id="94" name="Rectangle 93"/>
+          <p:cNvSpPr/>
+          <p:nvPr/>
+        </p:nvSpPr>
+        <p:spPr>
+          <a:xfrm>
+            <a:off x="6192508" y="2613381"/>
+            <a:ext cx="3638487" cy="417982"/>
+          </a:xfrm>
+          <a:prstGeom prst="rect">
+            <a:avLst/>
+          </a:prstGeom>
+        </p:spPr>
+        <p:style>
+          <a:lnRef idx="2">
+            <a:schemeClr val="accent6">
+              <a:shade val="50000"/>
+            </a:schemeClr>
+          </a:lnRef>
+          <a:fillRef idx="1">
+            <a:schemeClr val="accent6"/>
+          </a:fillRef>
+          <a:effectRef idx="0">
+            <a:schemeClr val="accent6"/>
+          </a:effectRef>
+          <a:fontRef idx="minor">
+            <a:schemeClr val="lt1"/>
+          </a:fontRef>
+        </p:style>
+        <p:txBody>
+          <a:bodyPr rtlCol="0" anchor="ctr"/>
+          <a:lstStyle/>
+          <a:p>
+            <a:pPr algn="ctr"/>
+            <a:r>
+              <a:rPr lang="en-US" dirty="0" smtClean="0">
+                <a:solidFill>
+                  <a:prstClr val="white"/>
+                </a:solidFill>
+              </a:rPr>
+              <a:t>Gateway App</a:t>
+            </a:r>
+            <a:endParaRPr lang="en-US" dirty="0">
+              <a:solidFill>
+                <a:prstClr val="white"/>
+              </a:solidFill>
+            </a:endParaRPr>
+          </a:p>
+        </p:txBody>
+      </p:sp>
+      <p:pic>
+        <p:nvPicPr>
+          <p:cNvPr id="96" name="Picture 95"/>
+          <p:cNvPicPr>
+            <a:picLocks noChangeAspect="1"/>
+          </p:cNvPicPr>
+          <p:nvPr/>
+        </p:nvPicPr>
+        <p:blipFill>
+          <a:blip r:embed="rId10" cstate="print">
+            <a:extLst>
+              <a:ext uri="{28A0092B-C50C-407E-A947-70E740481C1C}">
+                <a14:useLocalDpi xmlns:a14="http://schemas.microsoft.com/office/drawing/2010/main" val="0"/>
+              </a:ext>
+            </a:extLst>
+          </a:blip>
+          <a:stretch>
+            <a:fillRect/>
+          </a:stretch>
+        </p:blipFill>
+        <p:spPr>
+          <a:xfrm>
+            <a:off x="7559237" y="5451123"/>
+            <a:ext cx="638242" cy="548632"/>
+          </a:xfrm>
+          <a:prstGeom prst="rect">
+            <a:avLst/>
+          </a:prstGeom>
+        </p:spPr>
+      </p:pic>
+      <p:cxnSp>
+        <p:nvCxnSpPr>
+          <p:cNvPr id="31" name="Straight Arrow Connector 30"/>
+          <p:cNvCxnSpPr>
+            <a:endCxn id="41" idx="0"/>
+          </p:cNvCxnSpPr>
+          <p:nvPr/>
+        </p:nvCxnSpPr>
+        <p:spPr>
+          <a:xfrm flipH="1">
+            <a:off x="8014166" y="2199539"/>
+            <a:ext cx="69115" cy="334680"/>
+          </a:xfrm>
+          <a:prstGeom prst="straightConnector1">
+            <a:avLst/>
+          </a:prstGeom>
+          <a:ln w="28575">
+            <a:solidFill>
+              <a:srgbClr val="00B0F0"/>
+            </a:solidFill>
+            <a:prstDash val="solid"/>
+            <a:tailEnd type="triangle"/>
+          </a:ln>
+        </p:spPr>
+        <p:style>
+          <a:lnRef idx="1">
+            <a:schemeClr val="accent1"/>
+          </a:lnRef>
+          <a:fillRef idx="0">
+            <a:schemeClr val="accent1"/>
+          </a:fillRef>
+          <a:effectRef idx="0">
+            <a:schemeClr val="accent1"/>
+          </a:effectRef>
+          <a:fontRef idx="minor">
+            <a:schemeClr val="tx1"/>
+          </a:fontRef>
+        </p:style>
+      </p:cxnSp>
+      <p:sp>
+        <p:nvSpPr>
+          <p:cNvPr id="33" name="Rectangle 32"/>
+          <p:cNvSpPr/>
+          <p:nvPr/>
+        </p:nvSpPr>
+        <p:spPr>
+          <a:xfrm>
+            <a:off x="5856364" y="4928285"/>
+            <a:ext cx="4477427" cy="365548"/>
+          </a:xfrm>
+          <a:prstGeom prst="rect">
+            <a:avLst/>
+          </a:prstGeom>
+        </p:spPr>
+        <p:style>
+          <a:lnRef idx="2">
+            <a:schemeClr val="accent1">
+              <a:shade val="50000"/>
+            </a:schemeClr>
+          </a:lnRef>
+          <a:fillRef idx="1">
+            <a:schemeClr val="accent1"/>
+          </a:fillRef>
+          <a:effectRef idx="0">
+            <a:schemeClr val="accent1"/>
+          </a:effectRef>
+          <a:fontRef idx="minor">
+            <a:schemeClr val="lt1"/>
+          </a:fontRef>
+        </p:style>
+        <p:txBody>
+          <a:bodyPr rtlCol="0" anchor="ctr"/>
+          <a:lstStyle/>
+          <a:p>
+            <a:pPr algn="ctr"/>
+            <a:r>
+              <a:rPr lang="en-US" dirty="0" smtClean="0">
+                <a:solidFill>
+                  <a:prstClr val="white"/>
+                </a:solidFill>
+              </a:rPr>
+              <a:t>Azure Services</a:t>
+            </a:r>
+            <a:endParaRPr lang="en-US" dirty="0">
+              <a:solidFill>
+                <a:prstClr val="white"/>
+              </a:solidFill>
+            </a:endParaRPr>
           </a:p>
         </p:txBody>
       </p:sp>
       <p:sp>
         <p:nvSpPr>
-          <p:cNvPr id="7" name="Content Placeholder 6"/>
-          <p:cNvSpPr>
-            <a:spLocks noGrp="1"/>
-          </p:cNvSpPr>
-          <p:nvPr>
-            <p:ph idx="1"/>
-          </p:nvPr>
+          <p:cNvPr id="7" name="Rectangle 6"/>
+          <p:cNvSpPr/>
+          <p:nvPr/>
         </p:nvSpPr>
         <p:spPr>
           <a:xfrm>
-            <a:off x="560798" y="1482812"/>
-            <a:ext cx="11079822" cy="4988872"/>
+            <a:off x="5853425" y="4090621"/>
+            <a:ext cx="2554020" cy="614642"/>
           </a:xfrm>
+          <a:prstGeom prst="rect">
+            <a:avLst/>
+          </a:prstGeom>
+          <a:noFill/>
+          <a:ln w="28575">
+            <a:prstDash val="sysDash"/>
+          </a:ln>
+        </p:spPr>
+        <p:style>
+          <a:lnRef idx="2">
+            <a:schemeClr val="accent1">
+              <a:shade val="50000"/>
+            </a:schemeClr>
+          </a:lnRef>
+          <a:fillRef idx="1">
+            <a:schemeClr val="accent1"/>
+          </a:fillRef>
+          <a:effectRef idx="0">
+            <a:schemeClr val="accent1"/>
+          </a:effectRef>
+          <a:fontRef idx="minor">
+            <a:schemeClr val="lt1"/>
+          </a:fontRef>
+        </p:style>
+        <p:txBody>
+          <a:bodyPr rtlCol="0" anchor="ctr"/>
+          <a:lstStyle/>
+          <a:p>
+            <a:pPr algn="ctr"/>
+            <a:endParaRPr lang="en-US"/>
+          </a:p>
+        </p:txBody>
+      </p:sp>
+      <p:sp>
+        <p:nvSpPr>
+          <p:cNvPr id="37" name="Rectangle 36"/>
+          <p:cNvSpPr/>
+          <p:nvPr/>
+        </p:nvSpPr>
+        <p:spPr>
+          <a:xfrm>
+            <a:off x="9637086" y="4102453"/>
+            <a:ext cx="696705" cy="614642"/>
+          </a:xfrm>
+          <a:prstGeom prst="rect">
+            <a:avLst/>
+          </a:prstGeom>
+          <a:noFill/>
+          <a:ln w="28575">
+            <a:prstDash val="sysDash"/>
+          </a:ln>
+        </p:spPr>
+        <p:style>
+          <a:lnRef idx="2">
+            <a:schemeClr val="accent1">
+              <a:shade val="50000"/>
+            </a:schemeClr>
+          </a:lnRef>
+          <a:fillRef idx="1">
+            <a:schemeClr val="accent1"/>
+          </a:fillRef>
+          <a:effectRef idx="0">
+            <a:schemeClr val="accent1"/>
+          </a:effectRef>
+          <a:fontRef idx="minor">
+            <a:schemeClr val="lt1"/>
+          </a:fontRef>
+        </p:style>
+        <p:txBody>
+          <a:bodyPr rtlCol="0" anchor="ctr"/>
+          <a:lstStyle/>
+          <a:p>
+            <a:pPr algn="ctr"/>
+            <a:endParaRPr lang="en-US"/>
+          </a:p>
+        </p:txBody>
+      </p:sp>
+      <p:sp>
+        <p:nvSpPr>
+          <p:cNvPr id="39" name="Rectangle 38"/>
+          <p:cNvSpPr/>
+          <p:nvPr/>
+        </p:nvSpPr>
+        <p:spPr>
+          <a:xfrm>
+            <a:off x="6192508" y="3086123"/>
+            <a:ext cx="1944943" cy="417982"/>
+          </a:xfrm>
+          <a:prstGeom prst="rect">
+            <a:avLst/>
+          </a:prstGeom>
+        </p:spPr>
+        <p:style>
+          <a:lnRef idx="2">
+            <a:schemeClr val="accent4">
+              <a:shade val="50000"/>
+            </a:schemeClr>
+          </a:lnRef>
+          <a:fillRef idx="1">
+            <a:schemeClr val="accent4"/>
+          </a:fillRef>
+          <a:effectRef idx="0">
+            <a:schemeClr val="accent4"/>
+          </a:effectRef>
+          <a:fontRef idx="minor">
+            <a:schemeClr val="lt1"/>
+          </a:fontRef>
+        </p:style>
+        <p:txBody>
+          <a:bodyPr rtlCol="0" anchor="ctr"/>
+          <a:lstStyle/>
+          <a:p>
+            <a:pPr algn="ctr"/>
+            <a:r>
+              <a:rPr lang="en-US" dirty="0" smtClean="0">
+                <a:solidFill>
+                  <a:prstClr val="white"/>
+                </a:solidFill>
+              </a:rPr>
+              <a:t>API Management</a:t>
+            </a:r>
+            <a:endParaRPr lang="en-US" dirty="0">
+              <a:solidFill>
+                <a:prstClr val="white"/>
+              </a:solidFill>
+            </a:endParaRPr>
+          </a:p>
+        </p:txBody>
+      </p:sp>
+      <p:sp>
+        <p:nvSpPr>
+          <p:cNvPr id="40" name="Rectangle 39"/>
+          <p:cNvSpPr/>
+          <p:nvPr/>
+        </p:nvSpPr>
+        <p:spPr>
+          <a:xfrm>
+            <a:off x="8137452" y="3086123"/>
+            <a:ext cx="1693543" cy="417982"/>
+          </a:xfrm>
+          <a:prstGeom prst="rect">
+            <a:avLst/>
+          </a:prstGeom>
+        </p:spPr>
+        <p:style>
+          <a:lnRef idx="2">
+            <a:schemeClr val="accent2">
+              <a:shade val="50000"/>
+            </a:schemeClr>
+          </a:lnRef>
+          <a:fillRef idx="1">
+            <a:schemeClr val="accent2"/>
+          </a:fillRef>
+          <a:effectRef idx="0">
+            <a:schemeClr val="accent2"/>
+          </a:effectRef>
+          <a:fontRef idx="minor">
+            <a:schemeClr val="lt1"/>
+          </a:fontRef>
+        </p:style>
+        <p:txBody>
+          <a:bodyPr rtlCol="0" anchor="ctr"/>
+          <a:lstStyle/>
+          <a:p>
+            <a:pPr algn="ctr"/>
+            <a:r>
+              <a:rPr lang="en-US" dirty="0" smtClean="0">
+                <a:solidFill>
+                  <a:prstClr val="white"/>
+                </a:solidFill>
+              </a:rPr>
+              <a:t>Authentication</a:t>
+            </a:r>
+            <a:endParaRPr lang="en-US" dirty="0">
+              <a:solidFill>
+                <a:prstClr val="white"/>
+              </a:solidFill>
+            </a:endParaRPr>
+          </a:p>
+        </p:txBody>
+      </p:sp>
+      <p:sp>
+        <p:nvSpPr>
+          <p:cNvPr id="41" name="Rectangle 40"/>
+          <p:cNvSpPr/>
+          <p:nvPr/>
+        </p:nvSpPr>
+        <p:spPr>
+          <a:xfrm>
+            <a:off x="6132964" y="2534219"/>
+            <a:ext cx="3762403" cy="1006830"/>
+          </a:xfrm>
+          <a:prstGeom prst="rect">
+            <a:avLst/>
+          </a:prstGeom>
+          <a:noFill/>
+          <a:ln w="28575">
+            <a:prstDash val="sysDash"/>
+          </a:ln>
+        </p:spPr>
+        <p:style>
+          <a:lnRef idx="2">
+            <a:schemeClr val="accent1">
+              <a:shade val="50000"/>
+            </a:schemeClr>
+          </a:lnRef>
+          <a:fillRef idx="1">
+            <a:schemeClr val="accent1"/>
+          </a:fillRef>
+          <a:effectRef idx="0">
+            <a:schemeClr val="accent1"/>
+          </a:effectRef>
+          <a:fontRef idx="minor">
+            <a:schemeClr val="lt1"/>
+          </a:fontRef>
+        </p:style>
+        <p:txBody>
+          <a:bodyPr rtlCol="0" anchor="ctr"/>
+          <a:lstStyle/>
+          <a:p>
+            <a:pPr algn="ctr"/>
+            <a:endParaRPr lang="en-US"/>
+          </a:p>
+        </p:txBody>
+      </p:sp>
+      <p:cxnSp>
+        <p:nvCxnSpPr>
+          <p:cNvPr id="42" name="Straight Arrow Connector 41"/>
+          <p:cNvCxnSpPr/>
+          <p:nvPr/>
+        </p:nvCxnSpPr>
+        <p:spPr>
+          <a:xfrm flipH="1">
+            <a:off x="6344094" y="3659552"/>
+            <a:ext cx="1279597" cy="306436"/>
+          </a:xfrm>
+          <a:prstGeom prst="straightConnector1">
+            <a:avLst/>
+          </a:prstGeom>
+          <a:ln w="28575">
+            <a:solidFill>
+              <a:srgbClr val="00B0F0"/>
+            </a:solidFill>
+            <a:prstDash val="solid"/>
+            <a:tailEnd type="triangle"/>
+          </a:ln>
+        </p:spPr>
+        <p:style>
+          <a:lnRef idx="1">
+            <a:schemeClr val="accent1"/>
+          </a:lnRef>
+          <a:fillRef idx="0">
+            <a:schemeClr val="accent1"/>
+          </a:fillRef>
+          <a:effectRef idx="0">
+            <a:schemeClr val="accent1"/>
+          </a:effectRef>
+          <a:fontRef idx="minor">
+            <a:schemeClr val="tx1"/>
+          </a:fontRef>
+        </p:style>
+      </p:cxnSp>
+      <p:cxnSp>
+        <p:nvCxnSpPr>
+          <p:cNvPr id="43" name="Straight Arrow Connector 42"/>
+          <p:cNvCxnSpPr/>
+          <p:nvPr/>
+        </p:nvCxnSpPr>
+        <p:spPr>
+          <a:xfrm>
+            <a:off x="7947817" y="3602433"/>
+            <a:ext cx="63934" cy="414558"/>
+          </a:xfrm>
+          <a:prstGeom prst="straightConnector1">
+            <a:avLst/>
+          </a:prstGeom>
+          <a:ln w="28575">
+            <a:solidFill>
+              <a:srgbClr val="00B0F0"/>
+            </a:solidFill>
+            <a:prstDash val="solid"/>
+            <a:tailEnd type="triangle"/>
+          </a:ln>
+        </p:spPr>
+        <p:style>
+          <a:lnRef idx="1">
+            <a:schemeClr val="accent1"/>
+          </a:lnRef>
+          <a:fillRef idx="0">
+            <a:schemeClr val="accent1"/>
+          </a:fillRef>
+          <a:effectRef idx="0">
+            <a:schemeClr val="accent1"/>
+          </a:effectRef>
+          <a:fontRef idx="minor">
+            <a:schemeClr val="tx1"/>
+          </a:fontRef>
+        </p:style>
+      </p:cxnSp>
+      <p:cxnSp>
+        <p:nvCxnSpPr>
+          <p:cNvPr id="44" name="Straight Arrow Connector 43"/>
+          <p:cNvCxnSpPr/>
+          <p:nvPr/>
+        </p:nvCxnSpPr>
+        <p:spPr>
+          <a:xfrm>
+            <a:off x="8253832" y="3631308"/>
+            <a:ext cx="1577163" cy="385683"/>
+          </a:xfrm>
+          <a:prstGeom prst="straightConnector1">
+            <a:avLst/>
+          </a:prstGeom>
+          <a:ln w="28575">
+            <a:solidFill>
+              <a:srgbClr val="00B0F0"/>
+            </a:solidFill>
+            <a:prstDash val="solid"/>
+            <a:tailEnd type="triangle"/>
+          </a:ln>
+        </p:spPr>
+        <p:style>
+          <a:lnRef idx="1">
+            <a:schemeClr val="accent1"/>
+          </a:lnRef>
+          <a:fillRef idx="0">
+            <a:schemeClr val="accent1"/>
+          </a:fillRef>
+          <a:effectRef idx="0">
+            <a:schemeClr val="accent1"/>
+          </a:effectRef>
+          <a:fontRef idx="minor">
+            <a:schemeClr val="tx1"/>
+          </a:fontRef>
+        </p:style>
+      </p:cxnSp>
+      <p:pic>
+        <p:nvPicPr>
+          <p:cNvPr id="47" name="Picture 46"/>
+          <p:cNvPicPr>
+            <a:picLocks noChangeAspect="1"/>
+          </p:cNvPicPr>
+          <p:nvPr/>
+        </p:nvPicPr>
+        <p:blipFill>
+          <a:blip r:embed="rId11" cstate="print">
+            <a:biLevel thresh="25000"/>
+            <a:extLst>
+              <a:ext uri="{28A0092B-C50C-407E-A947-70E740481C1C}">
+                <a14:useLocalDpi xmlns:a14="http://schemas.microsoft.com/office/drawing/2010/main" val="0"/>
+              </a:ext>
+            </a:extLst>
+          </a:blip>
+          <a:stretch>
+            <a:fillRect/>
+          </a:stretch>
+        </p:blipFill>
+        <p:spPr>
+          <a:xfrm flipH="1">
+            <a:off x="8472005" y="5421353"/>
+            <a:ext cx="552499" cy="552499"/>
+          </a:xfrm>
+          <a:prstGeom prst="rect">
+            <a:avLst/>
+          </a:prstGeom>
+          <a:solidFill>
+            <a:srgbClr val="1D4380"/>
+          </a:solidFill>
+        </p:spPr>
+      </p:pic>
+      <p:pic>
+        <p:nvPicPr>
+          <p:cNvPr id="48" name="Picture 47"/>
+          <p:cNvPicPr>
+            <a:picLocks noChangeAspect="1"/>
+          </p:cNvPicPr>
+          <p:nvPr/>
+        </p:nvPicPr>
+        <p:blipFill>
+          <a:blip r:embed="rId12" cstate="print">
+            <a:biLevel thresh="25000"/>
+            <a:extLst>
+              <a:ext uri="{28A0092B-C50C-407E-A947-70E740481C1C}">
+                <a14:useLocalDpi xmlns:a14="http://schemas.microsoft.com/office/drawing/2010/main" val="0"/>
+              </a:ext>
+            </a:extLst>
+          </a:blip>
+          <a:stretch>
+            <a:fillRect/>
+          </a:stretch>
+        </p:blipFill>
+        <p:spPr>
+          <a:xfrm>
+            <a:off x="9935460" y="5443658"/>
+            <a:ext cx="534066" cy="534066"/>
+          </a:xfrm>
+          <a:prstGeom prst="rect">
+            <a:avLst/>
+          </a:prstGeom>
+          <a:solidFill>
+            <a:srgbClr val="1D4380"/>
+          </a:solidFill>
+        </p:spPr>
+      </p:pic>
+      <p:pic>
+        <p:nvPicPr>
+          <p:cNvPr id="49" name="Picture 48"/>
+          <p:cNvPicPr>
+            <a:picLocks noChangeAspect="1"/>
+          </p:cNvPicPr>
+          <p:nvPr/>
+        </p:nvPicPr>
+        <p:blipFill>
+          <a:blip r:embed="rId13" cstate="print">
+            <a:biLevel thresh="25000"/>
+            <a:extLst>
+              <a:ext uri="{28A0092B-C50C-407E-A947-70E740481C1C}">
+                <a14:useLocalDpi xmlns:a14="http://schemas.microsoft.com/office/drawing/2010/main" val="0"/>
+              </a:ext>
+            </a:extLst>
+          </a:blip>
+          <a:stretch>
+            <a:fillRect/>
+          </a:stretch>
+        </p:blipFill>
+        <p:spPr>
+          <a:xfrm>
+            <a:off x="9203733" y="5428792"/>
+            <a:ext cx="549868" cy="549868"/>
+          </a:xfrm>
+          <a:prstGeom prst="rect">
+            <a:avLst/>
+          </a:prstGeom>
+          <a:solidFill>
+            <a:srgbClr val="1D4380"/>
+          </a:solidFill>
+        </p:spPr>
+      </p:pic>
+      <p:sp>
+        <p:nvSpPr>
+          <p:cNvPr id="50" name="Rectangle 49"/>
+          <p:cNvSpPr/>
+          <p:nvPr/>
+        </p:nvSpPr>
+        <p:spPr>
+          <a:xfrm>
+            <a:off x="5643458" y="2314191"/>
+            <a:ext cx="4826067" cy="2486574"/>
+          </a:xfrm>
+          <a:prstGeom prst="rect">
+            <a:avLst/>
+          </a:prstGeom>
+          <a:noFill/>
+          <a:ln w="28575">
+            <a:solidFill>
+              <a:schemeClr val="accent2">
+                <a:lumMod val="75000"/>
+              </a:schemeClr>
+            </a:solidFill>
+            <a:prstDash val="sysDash"/>
+          </a:ln>
+        </p:spPr>
+        <p:style>
+          <a:lnRef idx="2">
+            <a:schemeClr val="accent1">
+              <a:shade val="50000"/>
+            </a:schemeClr>
+          </a:lnRef>
+          <a:fillRef idx="1">
+            <a:schemeClr val="accent1"/>
+          </a:fillRef>
+          <a:effectRef idx="0">
+            <a:schemeClr val="accent1"/>
+          </a:effectRef>
+          <a:fontRef idx="minor">
+            <a:schemeClr val="lt1"/>
+          </a:fontRef>
+        </p:style>
+        <p:txBody>
+          <a:bodyPr rtlCol="0" anchor="ctr"/>
+          <a:lstStyle/>
+          <a:p>
+            <a:pPr algn="ctr"/>
+            <a:endParaRPr lang="en-US"/>
+          </a:p>
+        </p:txBody>
+      </p:sp>
+      <p:sp>
+        <p:nvSpPr>
+          <p:cNvPr id="51" name="Rectangle 50"/>
+          <p:cNvSpPr/>
+          <p:nvPr/>
+        </p:nvSpPr>
+        <p:spPr>
+          <a:xfrm>
+            <a:off x="214625" y="175425"/>
+            <a:ext cx="373710" cy="298901"/>
+          </a:xfrm>
+          <a:prstGeom prst="rect">
+            <a:avLst/>
+          </a:prstGeom>
+          <a:noFill/>
+          <a:ln w="28575">
+            <a:prstDash val="sysDash"/>
+          </a:ln>
+        </p:spPr>
+        <p:style>
+          <a:lnRef idx="2">
+            <a:schemeClr val="accent1">
+              <a:shade val="50000"/>
+            </a:schemeClr>
+          </a:lnRef>
+          <a:fillRef idx="1">
+            <a:schemeClr val="accent1"/>
+          </a:fillRef>
+          <a:effectRef idx="0">
+            <a:schemeClr val="accent1"/>
+          </a:effectRef>
+          <a:fontRef idx="minor">
+            <a:schemeClr val="lt1"/>
+          </a:fontRef>
+        </p:style>
+        <p:txBody>
+          <a:bodyPr rtlCol="0" anchor="ctr"/>
+          <a:lstStyle/>
+          <a:p>
+            <a:pPr algn="ctr"/>
+            <a:endParaRPr lang="en-US"/>
+          </a:p>
+        </p:txBody>
+      </p:sp>
+      <p:sp>
+        <p:nvSpPr>
+          <p:cNvPr id="13" name="TextBox 12"/>
+          <p:cNvSpPr txBox="1"/>
+          <p:nvPr/>
+        </p:nvSpPr>
+        <p:spPr>
+          <a:xfrm>
+            <a:off x="619128" y="140209"/>
+            <a:ext cx="1165704" cy="369332"/>
+          </a:xfrm>
+          <a:prstGeom prst="rect">
+            <a:avLst/>
+          </a:prstGeom>
+          <a:noFill/>
         </p:spPr>
         <p:txBody>
-          <a:bodyPr>
-            <a:normAutofit/>
+          <a:bodyPr wrap="none" rtlCol="0">
+            <a:spAutoFit/>
           </a:bodyPr>
           <a:lstStyle/>
           <a:p>
             <a:r>
+              <a:rPr lang="en-US" dirty="0" smtClean="0"/>
+              <a:t>Scale unit</a:t>
+            </a:r>
+            <a:endParaRPr lang="en-US" dirty="0"/>
+          </a:p>
+        </p:txBody>
+      </p:sp>
+      <p:sp>
+        <p:nvSpPr>
+          <p:cNvPr id="53" name="Rectangle 52"/>
+          <p:cNvSpPr/>
+          <p:nvPr/>
+        </p:nvSpPr>
+        <p:spPr>
+          <a:xfrm>
+            <a:off x="216148" y="599549"/>
+            <a:ext cx="372188" cy="286498"/>
+          </a:xfrm>
+          <a:prstGeom prst="rect">
+            <a:avLst/>
+          </a:prstGeom>
+          <a:noFill/>
+          <a:ln w="28575">
+            <a:solidFill>
+              <a:schemeClr val="accent2">
+                <a:lumMod val="75000"/>
+              </a:schemeClr>
+            </a:solidFill>
+            <a:prstDash val="sysDash"/>
+          </a:ln>
+        </p:spPr>
+        <p:style>
+          <a:lnRef idx="2">
+            <a:schemeClr val="accent1">
+              <a:shade val="50000"/>
+            </a:schemeClr>
+          </a:lnRef>
+          <a:fillRef idx="1">
+            <a:schemeClr val="accent1"/>
+          </a:fillRef>
+          <a:effectRef idx="0">
+            <a:schemeClr val="accent1"/>
+          </a:effectRef>
+          <a:fontRef idx="minor">
+            <a:schemeClr val="lt1"/>
+          </a:fontRef>
+        </p:style>
+        <p:txBody>
+          <a:bodyPr rtlCol="0" anchor="ctr"/>
+          <a:lstStyle/>
+          <a:p>
+            <a:pPr algn="ctr"/>
+            <a:endParaRPr lang="en-US"/>
+          </a:p>
+        </p:txBody>
+      </p:sp>
+      <p:sp>
+        <p:nvSpPr>
+          <p:cNvPr id="54" name="TextBox 53"/>
+          <p:cNvSpPr txBox="1"/>
+          <p:nvPr/>
+        </p:nvSpPr>
+        <p:spPr>
+          <a:xfrm>
+            <a:off x="632289" y="535432"/>
+            <a:ext cx="477951" cy="369332"/>
+          </a:xfrm>
+          <a:prstGeom prst="rect">
+            <a:avLst/>
+          </a:prstGeom>
+          <a:noFill/>
+        </p:spPr>
+        <p:txBody>
+          <a:bodyPr wrap="none" rtlCol="0">
+            <a:spAutoFit/>
+          </a:bodyPr>
+          <a:lstStyle/>
+          <a:p>
+            <a:r>
+              <a:rPr lang="en-US" dirty="0" smtClean="0"/>
+              <a:t>RG</a:t>
+            </a:r>
+            <a:endParaRPr lang="en-US" dirty="0"/>
+          </a:p>
+        </p:txBody>
+      </p:sp>
+      <p:sp>
+        <p:nvSpPr>
+          <p:cNvPr id="55" name="Rectangle 54"/>
+          <p:cNvSpPr/>
+          <p:nvPr/>
+        </p:nvSpPr>
+        <p:spPr>
+          <a:xfrm rot="16200000">
+            <a:off x="2998907" y="3448533"/>
+            <a:ext cx="2546281" cy="365548"/>
+          </a:xfrm>
+          <a:prstGeom prst="rect">
+            <a:avLst/>
+          </a:prstGeom>
+          <a:solidFill>
+            <a:schemeClr val="accent1">
+              <a:lumMod val="75000"/>
+            </a:schemeClr>
+          </a:solidFill>
+        </p:spPr>
+        <p:style>
+          <a:lnRef idx="2">
+            <a:schemeClr val="accent1">
+              <a:shade val="50000"/>
+            </a:schemeClr>
+          </a:lnRef>
+          <a:fillRef idx="1">
+            <a:schemeClr val="accent1"/>
+          </a:fillRef>
+          <a:effectRef idx="0">
+            <a:schemeClr val="accent1"/>
+          </a:effectRef>
+          <a:fontRef idx="minor">
+            <a:schemeClr val="lt1"/>
+          </a:fontRef>
+        </p:style>
+        <p:txBody>
+          <a:bodyPr rtlCol="0" anchor="ctr"/>
+          <a:lstStyle/>
+          <a:p>
+            <a:pPr algn="ctr"/>
+            <a:r>
               <a:rPr lang="en-US" dirty="0" smtClean="0">
-                <a:latin typeface="+mj-lt"/>
-              </a:rPr>
-              <a:t>Grab the bits</a:t>
-            </a:r>
-          </a:p>
-          <a:p>
+                <a:solidFill>
+                  <a:prstClr val="white"/>
+                </a:solidFill>
+              </a:rPr>
+              <a:t>Feed/Gallery</a:t>
+            </a:r>
+            <a:endParaRPr lang="en-US" dirty="0">
+              <a:solidFill>
+                <a:prstClr val="white"/>
+              </a:solidFill>
+            </a:endParaRPr>
+          </a:p>
+        </p:txBody>
+      </p:sp>
+      <p:cxnSp>
+        <p:nvCxnSpPr>
+          <p:cNvPr id="56" name="Straight Arrow Connector 55"/>
+          <p:cNvCxnSpPr/>
+          <p:nvPr/>
+        </p:nvCxnSpPr>
+        <p:spPr>
+          <a:xfrm>
+            <a:off x="5061098" y="3541049"/>
+            <a:ext cx="492880" cy="0"/>
+          </a:xfrm>
+          <a:prstGeom prst="straightConnector1">
+            <a:avLst/>
+          </a:prstGeom>
+          <a:ln w="28575">
+            <a:solidFill>
+              <a:srgbClr val="00B0F0"/>
+            </a:solidFill>
+            <a:prstDash val="solid"/>
+            <a:tailEnd type="triangle"/>
+          </a:ln>
+        </p:spPr>
+        <p:style>
+          <a:lnRef idx="1">
+            <a:schemeClr val="accent1"/>
+          </a:lnRef>
+          <a:fillRef idx="0">
+            <a:schemeClr val="accent1"/>
+          </a:fillRef>
+          <a:effectRef idx="0">
+            <a:schemeClr val="accent1"/>
+          </a:effectRef>
+          <a:fontRef idx="minor">
+            <a:schemeClr val="tx1"/>
+          </a:fontRef>
+        </p:style>
+      </p:cxnSp>
+      <p:pic>
+        <p:nvPicPr>
+          <p:cNvPr id="65" name="Picture 64"/>
+          <p:cNvPicPr>
+            <a:picLocks noChangeAspect="1"/>
+          </p:cNvPicPr>
+          <p:nvPr/>
+        </p:nvPicPr>
+        <p:blipFill>
+          <a:blip r:embed="rId14">
+            <a:biLevel thresh="25000"/>
+          </a:blip>
+          <a:stretch>
+            <a:fillRect/>
+          </a:stretch>
+        </p:blipFill>
+        <p:spPr>
+          <a:xfrm>
+            <a:off x="1409557" y="3928116"/>
+            <a:ext cx="350967" cy="348674"/>
+          </a:xfrm>
+          <a:prstGeom prst="rect">
+            <a:avLst/>
+          </a:prstGeom>
+        </p:spPr>
+      </p:pic>
+      <p:sp>
+        <p:nvSpPr>
+          <p:cNvPr id="67" name="TextBox 66"/>
+          <p:cNvSpPr txBox="1"/>
+          <p:nvPr/>
+        </p:nvSpPr>
+        <p:spPr>
+          <a:xfrm>
+            <a:off x="1239672" y="4360482"/>
+            <a:ext cx="665567" cy="276999"/>
+          </a:xfrm>
+          <a:prstGeom prst="rect">
+            <a:avLst/>
+          </a:prstGeom>
+          <a:noFill/>
+        </p:spPr>
+        <p:txBody>
+          <a:bodyPr wrap="none" rtlCol="0">
+            <a:spAutoFit/>
+          </a:bodyPr>
+          <a:lstStyle/>
+          <a:p>
+            <a:r>
+              <a:rPr lang="en-US" sz="1200" dirty="0" err="1">
+                <a:solidFill>
+                  <a:prstClr val="white"/>
+                </a:solidFill>
+              </a:rPr>
+              <a:t>GitHub</a:t>
+            </a:r>
+            <a:endParaRPr lang="en-US" dirty="0">
+              <a:solidFill>
+                <a:prstClr val="white"/>
+              </a:solidFill>
+            </a:endParaRPr>
+          </a:p>
+        </p:txBody>
+      </p:sp>
+      <p:pic>
+        <p:nvPicPr>
+          <p:cNvPr id="71" name="Picture 70"/>
+          <p:cNvPicPr>
+            <a:picLocks noChangeAspect="1"/>
+          </p:cNvPicPr>
+          <p:nvPr/>
+        </p:nvPicPr>
+        <p:blipFill>
+          <a:blip r:embed="rId15">
+            <a:biLevel thresh="25000"/>
+          </a:blip>
+          <a:stretch>
+            <a:fillRect/>
+          </a:stretch>
+        </p:blipFill>
+        <p:spPr>
+          <a:xfrm>
+            <a:off x="1451731" y="3141726"/>
+            <a:ext cx="308793" cy="306775"/>
+          </a:xfrm>
+          <a:prstGeom prst="rect">
+            <a:avLst/>
+          </a:prstGeom>
+        </p:spPr>
+      </p:pic>
+      <p:sp>
+        <p:nvSpPr>
+          <p:cNvPr id="72" name="TextBox 71"/>
+          <p:cNvSpPr txBox="1"/>
+          <p:nvPr/>
+        </p:nvSpPr>
+        <p:spPr>
+          <a:xfrm>
+            <a:off x="1059092" y="3504105"/>
+            <a:ext cx="1061381" cy="276999"/>
+          </a:xfrm>
+          <a:prstGeom prst="rect">
+            <a:avLst/>
+          </a:prstGeom>
+          <a:noFill/>
+        </p:spPr>
+        <p:txBody>
+          <a:bodyPr wrap="none" rtlCol="0">
+            <a:spAutoFit/>
+          </a:bodyPr>
+          <a:lstStyle/>
+          <a:p>
+            <a:r>
+              <a:rPr lang="en-US" sz="1200" dirty="0">
+                <a:solidFill>
+                  <a:prstClr val="white"/>
+                </a:solidFill>
+              </a:rPr>
+              <a:t>Visual </a:t>
+            </a:r>
+            <a:r>
+              <a:rPr lang="en-US" sz="1200" dirty="0" smtClean="0">
+                <a:solidFill>
+                  <a:prstClr val="white"/>
+                </a:solidFill>
+              </a:rPr>
+              <a:t>Studio</a:t>
+            </a:r>
+            <a:endParaRPr lang="en-US" sz="1200" dirty="0">
+              <a:solidFill>
+                <a:prstClr val="white"/>
+              </a:solidFill>
+            </a:endParaRPr>
+          </a:p>
+        </p:txBody>
+      </p:sp>
+      <p:pic>
+        <p:nvPicPr>
+          <p:cNvPr id="73" name="Picture 72"/>
+          <p:cNvPicPr>
+            <a:picLocks noChangeAspect="1"/>
+          </p:cNvPicPr>
+          <p:nvPr/>
+        </p:nvPicPr>
+        <p:blipFill>
+          <a:blip r:embed="rId16">
+            <a:biLevel thresh="25000"/>
+          </a:blip>
+          <a:stretch>
+            <a:fillRect/>
+          </a:stretch>
+        </p:blipFill>
+        <p:spPr>
+          <a:xfrm>
+            <a:off x="1384388" y="2347380"/>
+            <a:ext cx="376136" cy="373677"/>
+          </a:xfrm>
+          <a:prstGeom prst="rect">
+            <a:avLst/>
+          </a:prstGeom>
+        </p:spPr>
+      </p:pic>
+      <p:sp>
+        <p:nvSpPr>
+          <p:cNvPr id="74" name="TextBox 73"/>
+          <p:cNvSpPr txBox="1"/>
+          <p:nvPr/>
+        </p:nvSpPr>
+        <p:spPr>
+          <a:xfrm>
+            <a:off x="1399667" y="2723353"/>
+            <a:ext cx="380232" cy="276999"/>
+          </a:xfrm>
+          <a:prstGeom prst="rect">
+            <a:avLst/>
+          </a:prstGeom>
+          <a:noFill/>
+        </p:spPr>
+        <p:txBody>
+          <a:bodyPr wrap="none" rtlCol="0">
+            <a:spAutoFit/>
+          </a:bodyPr>
+          <a:lstStyle/>
+          <a:p>
+            <a:r>
+              <a:rPr lang="en-US" sz="1200" dirty="0" err="1">
+                <a:solidFill>
+                  <a:prstClr val="white"/>
+                </a:solidFill>
+              </a:rPr>
+              <a:t>Git</a:t>
+            </a:r>
+            <a:endParaRPr lang="en-US" sz="1600" dirty="0">
+              <a:solidFill>
+                <a:prstClr val="white"/>
+              </a:solidFill>
+            </a:endParaRPr>
+          </a:p>
+        </p:txBody>
+      </p:sp>
+      <p:cxnSp>
+        <p:nvCxnSpPr>
+          <p:cNvPr id="75" name="Straight Arrow Connector 74"/>
+          <p:cNvCxnSpPr/>
+          <p:nvPr/>
+        </p:nvCxnSpPr>
+        <p:spPr>
+          <a:xfrm>
+            <a:off x="1905239" y="2592523"/>
+            <a:ext cx="2071338" cy="795719"/>
+          </a:xfrm>
+          <a:prstGeom prst="straightConnector1">
+            <a:avLst/>
+          </a:prstGeom>
+          <a:ln w="28575">
+            <a:solidFill>
+              <a:srgbClr val="00B0F0"/>
+            </a:solidFill>
+            <a:prstDash val="solid"/>
+            <a:tailEnd type="triangle"/>
+          </a:ln>
+        </p:spPr>
+        <p:style>
+          <a:lnRef idx="1">
+            <a:schemeClr val="accent1"/>
+          </a:lnRef>
+          <a:fillRef idx="0">
+            <a:schemeClr val="accent1"/>
+          </a:fillRef>
+          <a:effectRef idx="0">
+            <a:schemeClr val="accent1"/>
+          </a:effectRef>
+          <a:fontRef idx="minor">
+            <a:schemeClr val="tx1"/>
+          </a:fontRef>
+        </p:style>
+      </p:cxnSp>
+      <p:cxnSp>
+        <p:nvCxnSpPr>
+          <p:cNvPr id="89" name="Straight Arrow Connector 88"/>
+          <p:cNvCxnSpPr/>
+          <p:nvPr/>
+        </p:nvCxnSpPr>
+        <p:spPr>
+          <a:xfrm>
+            <a:off x="2120473" y="3557478"/>
+            <a:ext cx="1799397" cy="0"/>
+          </a:xfrm>
+          <a:prstGeom prst="straightConnector1">
+            <a:avLst/>
+          </a:prstGeom>
+          <a:ln w="28575">
+            <a:solidFill>
+              <a:srgbClr val="00B0F0"/>
+            </a:solidFill>
+            <a:prstDash val="solid"/>
+            <a:tailEnd type="triangle"/>
+          </a:ln>
+        </p:spPr>
+        <p:style>
+          <a:lnRef idx="1">
+            <a:schemeClr val="accent1"/>
+          </a:lnRef>
+          <a:fillRef idx="0">
+            <a:schemeClr val="accent1"/>
+          </a:fillRef>
+          <a:effectRef idx="0">
+            <a:schemeClr val="accent1"/>
+          </a:effectRef>
+          <a:fontRef idx="minor">
+            <a:schemeClr val="tx1"/>
+          </a:fontRef>
+        </p:style>
+      </p:cxnSp>
+      <p:cxnSp>
+        <p:nvCxnSpPr>
+          <p:cNvPr id="90" name="Straight Arrow Connector 89"/>
+          <p:cNvCxnSpPr/>
+          <p:nvPr/>
+        </p:nvCxnSpPr>
+        <p:spPr>
+          <a:xfrm flipV="1">
+            <a:off x="1905239" y="3781104"/>
+            <a:ext cx="2071338" cy="411766"/>
+          </a:xfrm>
+          <a:prstGeom prst="straightConnector1">
+            <a:avLst/>
+          </a:prstGeom>
+          <a:ln w="28575">
+            <a:solidFill>
+              <a:srgbClr val="00B0F0"/>
+            </a:solidFill>
+            <a:prstDash val="solid"/>
+            <a:tailEnd type="triangle"/>
+          </a:ln>
+        </p:spPr>
+        <p:style>
+          <a:lnRef idx="1">
+            <a:schemeClr val="accent1"/>
+          </a:lnRef>
+          <a:fillRef idx="0">
+            <a:schemeClr val="accent1"/>
+          </a:fillRef>
+          <a:effectRef idx="0">
+            <a:schemeClr val="accent1"/>
+          </a:effectRef>
+          <a:fontRef idx="minor">
+            <a:schemeClr val="tx1"/>
+          </a:fontRef>
+        </p:style>
+      </p:cxnSp>
+      <p:pic>
+        <p:nvPicPr>
+          <p:cNvPr id="91" name="Picture 90"/>
+          <p:cNvPicPr>
+            <a:picLocks noChangeAspect="1"/>
+          </p:cNvPicPr>
+          <p:nvPr/>
+        </p:nvPicPr>
+        <p:blipFill>
+          <a:blip r:embed="rId17">
+            <a:biLevel thresh="25000"/>
+          </a:blip>
+          <a:stretch>
+            <a:fillRect/>
+          </a:stretch>
+        </p:blipFill>
+        <p:spPr>
+          <a:xfrm>
+            <a:off x="1376271" y="4716390"/>
+            <a:ext cx="355139" cy="352817"/>
+          </a:xfrm>
+          <a:prstGeom prst="rect">
+            <a:avLst/>
+          </a:prstGeom>
+        </p:spPr>
+      </p:pic>
+      <p:sp>
+        <p:nvSpPr>
+          <p:cNvPr id="92" name="TextBox 91"/>
+          <p:cNvSpPr txBox="1"/>
+          <p:nvPr/>
+        </p:nvSpPr>
+        <p:spPr>
+          <a:xfrm>
+            <a:off x="1263376" y="5138091"/>
+            <a:ext cx="580928" cy="276999"/>
+          </a:xfrm>
+          <a:prstGeom prst="rect">
+            <a:avLst/>
+          </a:prstGeom>
+          <a:noFill/>
+        </p:spPr>
+        <p:txBody>
+          <a:bodyPr wrap="none" rtlCol="0">
+            <a:spAutoFit/>
+          </a:bodyPr>
+          <a:lstStyle/>
+          <a:p>
+            <a:r>
+              <a:rPr lang="en-US" sz="1200" dirty="0" smtClean="0">
+                <a:solidFill>
+                  <a:prstClr val="white"/>
+                </a:solidFill>
+              </a:rPr>
+              <a:t>Portal</a:t>
+            </a:r>
+            <a:endParaRPr lang="en-US" dirty="0">
+              <a:solidFill>
+                <a:prstClr val="white"/>
+              </a:solidFill>
+            </a:endParaRPr>
+          </a:p>
+        </p:txBody>
+      </p:sp>
+      <p:cxnSp>
+        <p:nvCxnSpPr>
+          <p:cNvPr id="93" name="Straight Arrow Connector 92"/>
+          <p:cNvCxnSpPr/>
+          <p:nvPr/>
+        </p:nvCxnSpPr>
+        <p:spPr>
+          <a:xfrm flipV="1">
+            <a:off x="1823963" y="3948716"/>
+            <a:ext cx="2169006" cy="950647"/>
+          </a:xfrm>
+          <a:prstGeom prst="straightConnector1">
+            <a:avLst/>
+          </a:prstGeom>
+          <a:ln w="28575">
+            <a:solidFill>
+              <a:srgbClr val="00B0F0"/>
+            </a:solidFill>
+            <a:prstDash val="solid"/>
+            <a:tailEnd type="triangle"/>
+          </a:ln>
+        </p:spPr>
+        <p:style>
+          <a:lnRef idx="1">
+            <a:schemeClr val="accent1"/>
+          </a:lnRef>
+          <a:fillRef idx="0">
+            <a:schemeClr val="accent1"/>
+          </a:fillRef>
+          <a:effectRef idx="0">
+            <a:schemeClr val="accent1"/>
+          </a:effectRef>
+          <a:fontRef idx="minor">
+            <a:schemeClr val="tx1"/>
+          </a:fontRef>
+        </p:style>
+      </p:cxnSp>
+      <p:sp>
+        <p:nvSpPr>
+          <p:cNvPr id="99" name="Rectangle 98"/>
+          <p:cNvSpPr/>
+          <p:nvPr/>
+        </p:nvSpPr>
+        <p:spPr>
+          <a:xfrm rot="16200000">
+            <a:off x="4097860" y="2809421"/>
+            <a:ext cx="1278226" cy="365548"/>
+          </a:xfrm>
+          <a:prstGeom prst="rect">
+            <a:avLst/>
+          </a:prstGeom>
+        </p:spPr>
+        <p:style>
+          <a:lnRef idx="2">
+            <a:schemeClr val="accent3">
+              <a:shade val="50000"/>
+            </a:schemeClr>
+          </a:lnRef>
+          <a:fillRef idx="1">
+            <a:schemeClr val="accent3"/>
+          </a:fillRef>
+          <a:effectRef idx="0">
+            <a:schemeClr val="accent3"/>
+          </a:effectRef>
+          <a:fontRef idx="minor">
+            <a:schemeClr val="lt1"/>
+          </a:fontRef>
+        </p:style>
+        <p:txBody>
+          <a:bodyPr rtlCol="0" anchor="ctr"/>
+          <a:lstStyle/>
+          <a:p>
+            <a:pPr algn="ctr"/>
             <a:r>
               <a:rPr lang="en-US" dirty="0" smtClean="0">
-                <a:latin typeface="+mj-lt"/>
-              </a:rPr>
-              <a:t>Start developing</a:t>
-            </a:r>
-          </a:p>
-          <a:p>
+                <a:solidFill>
+                  <a:prstClr val="white"/>
+                </a:solidFill>
+              </a:rPr>
+              <a:t>Private</a:t>
+            </a:r>
+            <a:endParaRPr lang="en-US" dirty="0">
+              <a:solidFill>
+                <a:prstClr val="white"/>
+              </a:solidFill>
+            </a:endParaRPr>
+          </a:p>
+        </p:txBody>
+      </p:sp>
+      <p:sp>
+        <p:nvSpPr>
+          <p:cNvPr id="100" name="Rectangle 99"/>
+          <p:cNvSpPr/>
+          <p:nvPr/>
+        </p:nvSpPr>
+        <p:spPr>
+          <a:xfrm rot="16200000">
+            <a:off x="4127799" y="4136336"/>
+            <a:ext cx="1218350" cy="365548"/>
+          </a:xfrm>
+          <a:prstGeom prst="rect">
+            <a:avLst/>
+          </a:prstGeom>
+        </p:spPr>
+        <p:style>
+          <a:lnRef idx="2">
+            <a:schemeClr val="accent5">
+              <a:shade val="50000"/>
+            </a:schemeClr>
+          </a:lnRef>
+          <a:fillRef idx="1">
+            <a:schemeClr val="accent5"/>
+          </a:fillRef>
+          <a:effectRef idx="0">
+            <a:schemeClr val="accent5"/>
+          </a:effectRef>
+          <a:fontRef idx="minor">
+            <a:schemeClr val="lt1"/>
+          </a:fontRef>
+        </p:style>
+        <p:txBody>
+          <a:bodyPr rtlCol="0" anchor="ctr"/>
+          <a:lstStyle/>
+          <a:p>
+            <a:pPr algn="ctr"/>
             <a:r>
               <a:rPr lang="en-US" dirty="0" smtClean="0">
-                <a:latin typeface="+mj-lt"/>
-              </a:rPr>
-              <a:t>F</a:t>
-            </a:r>
-            <a:r>
-              <a:rPr lang="en-US" dirty="0" smtClean="0">
-                <a:latin typeface="+mj-lt"/>
-              </a:rPr>
-              <a:t>eedback!</a:t>
+                <a:solidFill>
+                  <a:prstClr val="white"/>
+                </a:solidFill>
+              </a:rPr>
+              <a:t>Public</a:t>
             </a:r>
             <a:endParaRPr lang="en-US" dirty="0">
-              <a:latin typeface="+mj-lt"/>
+              <a:solidFill>
+                <a:prstClr val="white"/>
+              </a:solidFill>
             </a:endParaRPr>
           </a:p>
         </p:txBody>
@@ -18602,7 +19000,7 @@
     </p:spTree>
     <p:extLst>
       <p:ext uri="{BB962C8B-B14F-4D97-AF65-F5344CB8AC3E}">
-        <p14:creationId xmlns:p14="http://schemas.microsoft.com/office/powerpoint/2010/main" val="1400431009"/>
+        <p14:creationId xmlns:p14="http://schemas.microsoft.com/office/powerpoint/2010/main" val="554853110"/>
       </p:ext>
     </p:extLst>
   </p:cSld>
@@ -18641,6 +19039,119 @@
       </p:grpSpPr>
       <p:sp>
         <p:nvSpPr>
+          <p:cNvPr id="6" name="Title 5"/>
+          <p:cNvSpPr>
+            <a:spLocks noGrp="1"/>
+          </p:cNvSpPr>
+          <p:nvPr>
+            <p:ph type="title"/>
+          </p:nvPr>
+        </p:nvSpPr>
+        <p:spPr/>
+        <p:txBody>
+          <a:bodyPr/>
+          <a:lstStyle/>
+          <a:p>
+            <a:r>
+              <a:rPr lang="en-US" dirty="0" smtClean="0"/>
+              <a:t>Next steps</a:t>
+            </a:r>
+            <a:endParaRPr lang="en-US" dirty="0"/>
+          </a:p>
+        </p:txBody>
+      </p:sp>
+      <p:sp>
+        <p:nvSpPr>
+          <p:cNvPr id="7" name="Content Placeholder 6"/>
+          <p:cNvSpPr>
+            <a:spLocks noGrp="1"/>
+          </p:cNvSpPr>
+          <p:nvPr>
+            <p:ph idx="1"/>
+          </p:nvPr>
+        </p:nvSpPr>
+        <p:spPr>
+          <a:xfrm>
+            <a:off x="560798" y="1482812"/>
+            <a:ext cx="11079822" cy="4988872"/>
+          </a:xfrm>
+        </p:spPr>
+        <p:txBody>
+          <a:bodyPr>
+            <a:normAutofit/>
+          </a:bodyPr>
+          <a:lstStyle/>
+          <a:p>
+            <a:r>
+              <a:rPr lang="en-US" dirty="0" smtClean="0">
+                <a:latin typeface="+mj-lt"/>
+              </a:rPr>
+              <a:t>Grab the bits</a:t>
+            </a:r>
+          </a:p>
+          <a:p>
+            <a:r>
+              <a:rPr lang="en-US" dirty="0" smtClean="0">
+                <a:latin typeface="+mj-lt"/>
+              </a:rPr>
+              <a:t>Start developing</a:t>
+            </a:r>
+          </a:p>
+          <a:p>
+            <a:r>
+              <a:rPr lang="en-US" dirty="0" smtClean="0">
+                <a:latin typeface="+mj-lt"/>
+              </a:rPr>
+              <a:t>Feedback!</a:t>
+            </a:r>
+            <a:endParaRPr lang="en-US" dirty="0">
+              <a:latin typeface="+mj-lt"/>
+            </a:endParaRPr>
+          </a:p>
+        </p:txBody>
+      </p:sp>
+    </p:spTree>
+    <p:extLst>
+      <p:ext uri="{BB962C8B-B14F-4D97-AF65-F5344CB8AC3E}">
+        <p14:creationId xmlns:p14="http://schemas.microsoft.com/office/powerpoint/2010/main" val="1400431009"/>
+      </p:ext>
+    </p:extLst>
+  </p:cSld>
+  <p:clrMapOvr>
+    <a:masterClrMapping/>
+  </p:clrMapOvr>
+  <p:transition spd="slow">
+    <p:cover/>
+  </p:transition>
+  <p:timing>
+    <p:tnLst>
+      <p:par>
+        <p:cTn id="1" dur="indefinite" restart="never" nodeType="tmRoot"/>
+      </p:par>
+    </p:tnLst>
+  </p:timing>
+</p:sld>
+</file>
+
+<file path=ppt/slides/slide32.xml><?xml version="1.0" encoding="utf-8"?>
+<p:sld xmlns:a="http://schemas.openxmlformats.org/drawingml/2006/main" xmlns:r="http://schemas.openxmlformats.org/officeDocument/2006/relationships" xmlns:p="http://schemas.openxmlformats.org/presentationml/2006/main">
+  <p:cSld>
+    <p:spTree>
+      <p:nvGrpSpPr>
+        <p:cNvPr id="1" name=""/>
+        <p:cNvGrpSpPr/>
+        <p:nvPr/>
+      </p:nvGrpSpPr>
+      <p:grpSpPr>
+        <a:xfrm>
+          <a:off x="0" y="0"/>
+          <a:ext cx="0" cy="0"/>
+          <a:chOff x="0" y="0"/>
+          <a:chExt cx="0" cy="0"/>
+        </a:xfrm>
+      </p:grpSpPr>
+      <p:sp>
+        <p:nvSpPr>
           <p:cNvPr id="2" name="Τίτλος 1"/>
           <p:cNvSpPr>
             <a:spLocks noGrp="1"/>
@@ -18674,61 +19185,117 @@
         </p:nvSpPr>
         <p:spPr/>
         <p:txBody>
-          <a:bodyPr/>
+          <a:bodyPr>
+            <a:normAutofit lnSpcReduction="10000"/>
+          </a:bodyPr>
           <a:lstStyle/>
           <a:p>
             <a:r>
-              <a:rPr lang="en-US" dirty="0">
+              <a:rPr lang="en-US" sz="2800" dirty="0">
                 <a:hlinkClick r:id="rId2"/>
               </a:rPr>
               <a:t>http://www.kefalidis.me/category/azure-app-service</a:t>
             </a:r>
             <a:r>
-              <a:rPr lang="en-US" dirty="0" smtClean="0">
+              <a:rPr lang="en-US" sz="2800" dirty="0" smtClean="0">
                 <a:hlinkClick r:id="rId2"/>
               </a:rPr>
               <a:t>/</a:t>
             </a:r>
-            <a:endParaRPr lang="en-US" dirty="0" smtClean="0"/>
-          </a:p>
-          <a:p>
-            <a:r>
-              <a:rPr lang="en-US" dirty="0">
+            <a:endParaRPr lang="en-US" sz="2800" dirty="0" smtClean="0"/>
+          </a:p>
+          <a:p>
+            <a:r>
+              <a:rPr lang="en-US" sz="2800" dirty="0">
                 <a:hlinkClick r:id="rId3"/>
               </a:rPr>
               <a:t>https://azure.microsoft.com/en-us/documentation/videos/azure-app-service-api-apps-with-scott-hunter</a:t>
             </a:r>
             <a:r>
-              <a:rPr lang="en-US" dirty="0" smtClean="0">
+              <a:rPr lang="en-US" sz="2800" dirty="0" smtClean="0">
                 <a:hlinkClick r:id="rId3"/>
               </a:rPr>
               <a:t>/</a:t>
             </a:r>
-            <a:endParaRPr lang="en-US" dirty="0" smtClean="0"/>
-          </a:p>
-          <a:p>
-            <a:r>
-              <a:rPr lang="en-US" dirty="0">
+            <a:endParaRPr lang="en-US" sz="2800" dirty="0" smtClean="0"/>
+          </a:p>
+          <a:p>
+            <a:r>
+              <a:rPr lang="en-US" sz="2800" dirty="0">
                 <a:hlinkClick r:id="rId4"/>
               </a:rPr>
-              <a:t>http</a:t>
-            </a:r>
-            <a:r>
-              <a:rPr lang="en-US">
+              <a:t>http://</a:t>
+            </a:r>
+            <a:r>
+              <a:rPr lang="en-US" sz="2800" dirty="0" smtClean="0">
                 <a:hlinkClick r:id="rId4"/>
               </a:rPr>
-              <a:t>://</a:t>
-            </a:r>
-            <a:r>
-              <a:rPr lang="en-US" smtClean="0">
-                <a:hlinkClick r:id="rId4"/>
-              </a:rPr>
               <a:t>www.microsoftvirtualacademy.com/product-training/microsoft-azure</a:t>
             </a:r>
-            <a:endParaRPr lang="en-US" smtClean="0"/>
-          </a:p>
-          <a:p>
-            <a:endParaRPr lang="en-US" dirty="0" smtClean="0"/>
+            <a:endParaRPr lang="en-US" sz="2800" dirty="0" smtClean="0"/>
+          </a:p>
+          <a:p>
+            <a:r>
+              <a:rPr lang="en-US" sz="2800" dirty="0">
+                <a:hlinkClick r:id="rId5"/>
+              </a:rPr>
+              <a:t>https://azure.microsoft.com/en-us/documentation/articles/app-service-api-apps-why-best-platform</a:t>
+            </a:r>
+            <a:r>
+              <a:rPr lang="en-US" sz="2800" dirty="0" smtClean="0">
+                <a:hlinkClick r:id="rId5"/>
+              </a:rPr>
+              <a:t>/</a:t>
+            </a:r>
+            <a:endParaRPr lang="en-US" sz="2800" dirty="0" smtClean="0"/>
+          </a:p>
+          <a:p>
+            <a:r>
+              <a:rPr lang="en-US" sz="2800" dirty="0">
+                <a:hlinkClick r:id="rId6"/>
+              </a:rPr>
+              <a:t>http://</a:t>
+            </a:r>
+            <a:r>
+              <a:rPr lang="en-US" sz="2800" dirty="0" smtClean="0">
+                <a:hlinkClick r:id="rId6"/>
+              </a:rPr>
+              <a:t>swagger.io/</a:t>
+            </a:r>
+            <a:endParaRPr lang="en-US" sz="2800" dirty="0" smtClean="0"/>
+          </a:p>
+          <a:p>
+            <a:r>
+              <a:rPr lang="en-US" sz="2800" dirty="0">
+                <a:hlinkClick r:id="rId7"/>
+              </a:rPr>
+              <a:t>https://</a:t>
+            </a:r>
+            <a:r>
+              <a:rPr lang="en-US" sz="2800" dirty="0" smtClean="0">
+                <a:hlinkClick r:id="rId7"/>
+              </a:rPr>
+              <a:t>github.com/ThessalonikiNet-MeetUp/globalazurebootcamp2015</a:t>
+            </a:r>
+            <a:endParaRPr lang="en-US" sz="2800" dirty="0" smtClean="0"/>
+          </a:p>
+          <a:p>
+            <a:pPr marL="0" indent="0">
+              <a:buNone/>
+            </a:pPr>
+            <a:endParaRPr lang="en-US" sz="2800" dirty="0" smtClean="0"/>
+          </a:p>
+          <a:p>
+            <a:pPr marL="0" indent="0">
+              <a:buNone/>
+            </a:pPr>
+            <a:endParaRPr lang="en-US" sz="2800" dirty="0" smtClean="0"/>
+          </a:p>
+          <a:p>
+            <a:pPr marL="0" indent="0">
+              <a:buNone/>
+            </a:pPr>
+            <a:endParaRPr lang="en-US" sz="2800" dirty="0" smtClean="0"/>
           </a:p>
           <a:p>
             <a:endParaRPr lang="en-US" dirty="0" smtClean="0"/>
@@ -18753,7 +19320,7 @@
             <a:fld id="{0A164282-434E-41D4-9582-783D542A7B68}" type="slidenum">
               <a:rPr lang="en-US" smtClean="0"/>
               <a:pPr/>
-              <a:t>31</a:t>
+              <a:t>32</a:t>
             </a:fld>
             <a:endParaRPr lang="en-US"/>
           </a:p>
@@ -18772,7 +19339,7 @@
 </p:sld>
 </file>
 
-<file path=ppt/slides/slide32.xml><?xml version="1.0" encoding="utf-8"?>
+<file path=ppt/slides/slide33.xml><?xml version="1.0" encoding="utf-8"?>
 <p:sld xmlns:a="http://schemas.openxmlformats.org/drawingml/2006/main" xmlns:r="http://schemas.openxmlformats.org/officeDocument/2006/relationships" xmlns:p="http://schemas.openxmlformats.org/presentationml/2006/main">
   <p:cSld>
     <p:spTree>
